--- a/docs/Images/Images.pptx
+++ b/docs/Images/Images.pptx
@@ -7,6 +7,7 @@
   <p:sldIdLst>
     <p:sldId id="256" r:id="rId2"/>
     <p:sldId id="257" r:id="rId3"/>
+    <p:sldId id="258" r:id="rId4"/>
   </p:sldIdLst>
   <p:sldSz cx="12192000" cy="6858000"/>
   <p:notesSz cx="6858000" cy="9144000"/>
@@ -3072,7 +3073,7 @@
           <a:p>
             <a:fld id="{2C20F5EC-8EF0-417F-9F3F-A436A2C12366}" type="datetimeFigureOut">
               <a:rPr lang="en-NZ" smtClean="0"/>
-              <a:t>20/06/2022</a:t>
+              <a:t>11/08/2022</a:t>
             </a:fld>
             <a:endParaRPr lang="en-NZ"/>
           </a:p>
@@ -3272,7 +3273,7 @@
           <a:p>
             <a:fld id="{2C20F5EC-8EF0-417F-9F3F-A436A2C12366}" type="datetimeFigureOut">
               <a:rPr lang="en-NZ" smtClean="0"/>
-              <a:t>20/06/2022</a:t>
+              <a:t>11/08/2022</a:t>
             </a:fld>
             <a:endParaRPr lang="en-NZ"/>
           </a:p>
@@ -3482,7 +3483,7 @@
           <a:p>
             <a:fld id="{2C20F5EC-8EF0-417F-9F3F-A436A2C12366}" type="datetimeFigureOut">
               <a:rPr lang="en-NZ" smtClean="0"/>
-              <a:t>20/06/2022</a:t>
+              <a:t>11/08/2022</a:t>
             </a:fld>
             <a:endParaRPr lang="en-NZ"/>
           </a:p>
@@ -3682,7 +3683,7 @@
           <a:p>
             <a:fld id="{2C20F5EC-8EF0-417F-9F3F-A436A2C12366}" type="datetimeFigureOut">
               <a:rPr lang="en-NZ" smtClean="0"/>
-              <a:t>20/06/2022</a:t>
+              <a:t>11/08/2022</a:t>
             </a:fld>
             <a:endParaRPr lang="en-NZ"/>
           </a:p>
@@ -3958,7 +3959,7 @@
           <a:p>
             <a:fld id="{2C20F5EC-8EF0-417F-9F3F-A436A2C12366}" type="datetimeFigureOut">
               <a:rPr lang="en-NZ" smtClean="0"/>
-              <a:t>20/06/2022</a:t>
+              <a:t>11/08/2022</a:t>
             </a:fld>
             <a:endParaRPr lang="en-NZ"/>
           </a:p>
@@ -4226,7 +4227,7 @@
           <a:p>
             <a:fld id="{2C20F5EC-8EF0-417F-9F3F-A436A2C12366}" type="datetimeFigureOut">
               <a:rPr lang="en-NZ" smtClean="0"/>
-              <a:t>20/06/2022</a:t>
+              <a:t>11/08/2022</a:t>
             </a:fld>
             <a:endParaRPr lang="en-NZ"/>
           </a:p>
@@ -4641,7 +4642,7 @@
           <a:p>
             <a:fld id="{2C20F5EC-8EF0-417F-9F3F-A436A2C12366}" type="datetimeFigureOut">
               <a:rPr lang="en-NZ" smtClean="0"/>
-              <a:t>20/06/2022</a:t>
+              <a:t>11/08/2022</a:t>
             </a:fld>
             <a:endParaRPr lang="en-NZ"/>
           </a:p>
@@ -4783,7 +4784,7 @@
           <a:p>
             <a:fld id="{2C20F5EC-8EF0-417F-9F3F-A436A2C12366}" type="datetimeFigureOut">
               <a:rPr lang="en-NZ" smtClean="0"/>
-              <a:t>20/06/2022</a:t>
+              <a:t>11/08/2022</a:t>
             </a:fld>
             <a:endParaRPr lang="en-NZ"/>
           </a:p>
@@ -4896,7 +4897,7 @@
           <a:p>
             <a:fld id="{2C20F5EC-8EF0-417F-9F3F-A436A2C12366}" type="datetimeFigureOut">
               <a:rPr lang="en-NZ" smtClean="0"/>
-              <a:t>20/06/2022</a:t>
+              <a:t>11/08/2022</a:t>
             </a:fld>
             <a:endParaRPr lang="en-NZ"/>
           </a:p>
@@ -5209,7 +5210,7 @@
           <a:p>
             <a:fld id="{2C20F5EC-8EF0-417F-9F3F-A436A2C12366}" type="datetimeFigureOut">
               <a:rPr lang="en-NZ" smtClean="0"/>
-              <a:t>20/06/2022</a:t>
+              <a:t>11/08/2022</a:t>
             </a:fld>
             <a:endParaRPr lang="en-NZ"/>
           </a:p>
@@ -5498,7 +5499,7 @@
           <a:p>
             <a:fld id="{2C20F5EC-8EF0-417F-9F3F-A436A2C12366}" type="datetimeFigureOut">
               <a:rPr lang="en-NZ" smtClean="0"/>
-              <a:t>20/06/2022</a:t>
+              <a:t>11/08/2022</a:t>
             </a:fld>
             <a:endParaRPr lang="en-NZ"/>
           </a:p>
@@ -5741,7 +5742,7 @@
           <a:p>
             <a:fld id="{2C20F5EC-8EF0-417F-9F3F-A436A2C12366}" type="datetimeFigureOut">
               <a:rPr lang="en-NZ" smtClean="0"/>
-              <a:t>20/06/2022</a:t>
+              <a:t>11/08/2022</a:t>
             </a:fld>
             <a:endParaRPr lang="en-NZ"/>
           </a:p>
@@ -7575,6 +7576,2959 @@
 </p:sld>
 </file>
 
+<file path=ppt/slides/slide3.xml><?xml version="1.0" encoding="utf-8"?>
+<p:sld xmlns:a="http://schemas.openxmlformats.org/drawingml/2006/main" xmlns:r="http://schemas.openxmlformats.org/officeDocument/2006/relationships" xmlns:p="http://schemas.openxmlformats.org/presentationml/2006/main">
+  <p:cSld>
+    <p:spTree>
+      <p:nvGrpSpPr>
+        <p:cNvPr id="1" name=""/>
+        <p:cNvGrpSpPr/>
+        <p:nvPr/>
+      </p:nvGrpSpPr>
+      <p:grpSpPr>
+        <a:xfrm>
+          <a:off x="0" y="0"/>
+          <a:ext cx="0" cy="0"/>
+          <a:chOff x="0" y="0"/>
+          <a:chExt cx="0" cy="0"/>
+        </a:xfrm>
+      </p:grpSpPr>
+      <p:sp>
+        <p:nvSpPr>
+          <p:cNvPr id="4" name="TextBox 3">
+            <a:extLst>
+              <a:ext uri="{FF2B5EF4-FFF2-40B4-BE49-F238E27FC236}">
+                <a16:creationId xmlns:a16="http://schemas.microsoft.com/office/drawing/2014/main" id="{C02617EA-9920-7047-5867-94E3AC355DE0}"/>
+              </a:ext>
+            </a:extLst>
+          </p:cNvPr>
+          <p:cNvSpPr txBox="1"/>
+          <p:nvPr/>
+        </p:nvSpPr>
+        <p:spPr>
+          <a:xfrm>
+            <a:off x="0" y="6488668"/>
+            <a:ext cx="4543231" cy="246221"/>
+          </a:xfrm>
+          <a:prstGeom prst="rect">
+            <a:avLst/>
+          </a:prstGeom>
+          <a:noFill/>
+        </p:spPr>
+        <p:txBody>
+          <a:bodyPr wrap="none" rtlCol="0">
+            <a:spAutoFit/>
+          </a:bodyPr>
+          <a:lstStyle/>
+          <a:p>
+            <a:r>
+              <a:rPr lang="en-NZ" sz="1000" dirty="0"/>
+              <a:t>Inspired by: https://en.wikipedia.org/wiki/File:Wikipedia_Mobile_User_Journey.pdf</a:t>
+            </a:r>
+          </a:p>
+        </p:txBody>
+      </p:sp>
+      <p:sp>
+        <p:nvSpPr>
+          <p:cNvPr id="10" name="Oval 9">
+            <a:extLst>
+              <a:ext uri="{FF2B5EF4-FFF2-40B4-BE49-F238E27FC236}">
+                <a16:creationId xmlns:a16="http://schemas.microsoft.com/office/drawing/2014/main" id="{893AE7A6-125D-BFDA-C4D2-FF4497F37F4C}"/>
+              </a:ext>
+            </a:extLst>
+          </p:cNvPr>
+          <p:cNvSpPr/>
+          <p:nvPr/>
+        </p:nvSpPr>
+        <p:spPr>
+          <a:xfrm>
+            <a:off x="1464623" y="1915886"/>
+            <a:ext cx="1005444" cy="1005444"/>
+          </a:xfrm>
+          <a:prstGeom prst="ellipse">
+            <a:avLst/>
+          </a:prstGeom>
+          <a:solidFill>
+            <a:schemeClr val="accent2">
+              <a:lumMod val="50000"/>
+            </a:schemeClr>
+          </a:solidFill>
+          <a:ln w="38100">
+            <a:solidFill>
+              <a:schemeClr val="tx2"/>
+            </a:solidFill>
+          </a:ln>
+        </p:spPr>
+        <p:style>
+          <a:lnRef idx="2">
+            <a:schemeClr val="accent1">
+              <a:shade val="50000"/>
+            </a:schemeClr>
+          </a:lnRef>
+          <a:fillRef idx="1">
+            <a:schemeClr val="accent1"/>
+          </a:fillRef>
+          <a:effectRef idx="0">
+            <a:schemeClr val="accent1"/>
+          </a:effectRef>
+          <a:fontRef idx="minor">
+            <a:schemeClr val="lt1"/>
+          </a:fontRef>
+        </p:style>
+        <p:txBody>
+          <a:bodyPr lIns="0" rIns="0" rtlCol="0" anchor="ctr"/>
+          <a:lstStyle/>
+          <a:p>
+            <a:pPr algn="ctr"/>
+            <a:r>
+              <a:rPr lang="en-NZ" sz="1200" dirty="0"/>
+              <a:t>Directed to use a toolkit</a:t>
+            </a:r>
+          </a:p>
+        </p:txBody>
+      </p:sp>
+      <p:sp>
+        <p:nvSpPr>
+          <p:cNvPr id="11" name="Oval 10">
+            <a:extLst>
+              <a:ext uri="{FF2B5EF4-FFF2-40B4-BE49-F238E27FC236}">
+                <a16:creationId xmlns:a16="http://schemas.microsoft.com/office/drawing/2014/main" id="{CB4CA5F5-B080-7631-6E13-B4149F1C5241}"/>
+              </a:ext>
+            </a:extLst>
+          </p:cNvPr>
+          <p:cNvSpPr/>
+          <p:nvPr/>
+        </p:nvSpPr>
+        <p:spPr>
+          <a:xfrm>
+            <a:off x="3959041" y="1939899"/>
+            <a:ext cx="1005444" cy="1005444"/>
+          </a:xfrm>
+          <a:prstGeom prst="ellipse">
+            <a:avLst/>
+          </a:prstGeom>
+          <a:solidFill>
+            <a:schemeClr val="accent2">
+              <a:lumMod val="75000"/>
+            </a:schemeClr>
+          </a:solidFill>
+          <a:ln w="38100">
+            <a:solidFill>
+              <a:schemeClr val="tx2"/>
+            </a:solidFill>
+          </a:ln>
+        </p:spPr>
+        <p:style>
+          <a:lnRef idx="2">
+            <a:schemeClr val="accent1">
+              <a:shade val="50000"/>
+            </a:schemeClr>
+          </a:lnRef>
+          <a:fillRef idx="1">
+            <a:schemeClr val="accent1"/>
+          </a:fillRef>
+          <a:effectRef idx="0">
+            <a:schemeClr val="accent1"/>
+          </a:effectRef>
+          <a:fontRef idx="minor">
+            <a:schemeClr val="lt1"/>
+          </a:fontRef>
+        </p:style>
+        <p:txBody>
+          <a:bodyPr lIns="0" rIns="0" rtlCol="0" anchor="ctr"/>
+          <a:lstStyle/>
+          <a:p>
+            <a:pPr algn="ctr"/>
+            <a:r>
+              <a:rPr lang="en-NZ" sz="1050" dirty="0"/>
+              <a:t>Uses Toolkit on  codebase</a:t>
+            </a:r>
+          </a:p>
+        </p:txBody>
+      </p:sp>
+      <p:sp>
+        <p:nvSpPr>
+          <p:cNvPr id="12" name="Oval 11">
+            <a:extLst>
+              <a:ext uri="{FF2B5EF4-FFF2-40B4-BE49-F238E27FC236}">
+                <a16:creationId xmlns:a16="http://schemas.microsoft.com/office/drawing/2014/main" id="{0A0DA813-F052-4EA9-EABB-8644D22AF14F}"/>
+              </a:ext>
+            </a:extLst>
+          </p:cNvPr>
+          <p:cNvSpPr/>
+          <p:nvPr/>
+        </p:nvSpPr>
+        <p:spPr>
+          <a:xfrm>
+            <a:off x="5203971" y="1939899"/>
+            <a:ext cx="1005444" cy="1005444"/>
+          </a:xfrm>
+          <a:prstGeom prst="ellipse">
+            <a:avLst/>
+          </a:prstGeom>
+          <a:solidFill>
+            <a:schemeClr val="accent2">
+              <a:lumMod val="75000"/>
+            </a:schemeClr>
+          </a:solidFill>
+          <a:ln w="38100">
+            <a:solidFill>
+              <a:schemeClr val="tx2"/>
+            </a:solidFill>
+          </a:ln>
+        </p:spPr>
+        <p:style>
+          <a:lnRef idx="2">
+            <a:schemeClr val="accent1">
+              <a:shade val="50000"/>
+            </a:schemeClr>
+          </a:lnRef>
+          <a:fillRef idx="1">
+            <a:schemeClr val="accent1"/>
+          </a:fillRef>
+          <a:effectRef idx="0">
+            <a:schemeClr val="accent1"/>
+          </a:effectRef>
+          <a:fontRef idx="minor">
+            <a:schemeClr val="lt1"/>
+          </a:fontRef>
+        </p:style>
+        <p:txBody>
+          <a:bodyPr lIns="0" rIns="0" rtlCol="0" anchor="ctr"/>
+          <a:lstStyle/>
+          <a:p>
+            <a:pPr algn="ctr"/>
+            <a:r>
+              <a:rPr lang="en-NZ" sz="1050" dirty="0"/>
+              <a:t>Realises more uses of the toolkit</a:t>
+            </a:r>
+          </a:p>
+        </p:txBody>
+      </p:sp>
+      <p:cxnSp>
+        <p:nvCxnSpPr>
+          <p:cNvPr id="14" name="Straight Arrow Connector 13">
+            <a:extLst>
+              <a:ext uri="{FF2B5EF4-FFF2-40B4-BE49-F238E27FC236}">
+                <a16:creationId xmlns:a16="http://schemas.microsoft.com/office/drawing/2014/main" id="{D4CA2C91-918F-C27B-B913-BC50B1ABC63C}"/>
+              </a:ext>
+            </a:extLst>
+          </p:cNvPr>
+          <p:cNvCxnSpPr>
+            <a:cxnSpLocks/>
+            <a:stCxn id="12" idx="1"/>
+            <a:endCxn id="11" idx="7"/>
+          </p:cNvCxnSpPr>
+          <p:nvPr/>
+        </p:nvCxnSpPr>
+        <p:spPr>
+          <a:xfrm rot="16200000" flipV="1">
+            <a:off x="5084228" y="1820156"/>
+            <a:ext cx="12700" cy="533974"/>
+          </a:xfrm>
+          <a:prstGeom prst="curvedConnector3">
+            <a:avLst>
+              <a:gd name="adj1" fmla="val 1338622"/>
+            </a:avLst>
+          </a:prstGeom>
+          <a:ln w="38100">
+            <a:solidFill>
+              <a:schemeClr val="tx2"/>
+            </a:solidFill>
+            <a:tailEnd type="triangle"/>
+          </a:ln>
+        </p:spPr>
+        <p:style>
+          <a:lnRef idx="1">
+            <a:schemeClr val="accent1"/>
+          </a:lnRef>
+          <a:fillRef idx="0">
+            <a:schemeClr val="accent1"/>
+          </a:fillRef>
+          <a:effectRef idx="0">
+            <a:schemeClr val="accent1"/>
+          </a:effectRef>
+          <a:fontRef idx="minor">
+            <a:schemeClr val="tx1"/>
+          </a:fontRef>
+        </p:style>
+      </p:cxnSp>
+      <p:sp>
+        <p:nvSpPr>
+          <p:cNvPr id="18" name="Oval 17">
+            <a:extLst>
+              <a:ext uri="{FF2B5EF4-FFF2-40B4-BE49-F238E27FC236}">
+                <a16:creationId xmlns:a16="http://schemas.microsoft.com/office/drawing/2014/main" id="{1476782D-1AF8-2270-72EC-4F1681FA556F}"/>
+              </a:ext>
+            </a:extLst>
+          </p:cNvPr>
+          <p:cNvSpPr/>
+          <p:nvPr/>
+        </p:nvSpPr>
+        <p:spPr>
+          <a:xfrm>
+            <a:off x="5819330" y="686269"/>
+            <a:ext cx="1005444" cy="1005444"/>
+          </a:xfrm>
+          <a:prstGeom prst="ellipse">
+            <a:avLst/>
+          </a:prstGeom>
+          <a:solidFill>
+            <a:schemeClr val="bg2">
+              <a:lumMod val="75000"/>
+            </a:schemeClr>
+          </a:solidFill>
+          <a:ln w="38100">
+            <a:solidFill>
+              <a:schemeClr val="tx2"/>
+            </a:solidFill>
+          </a:ln>
+        </p:spPr>
+        <p:style>
+          <a:lnRef idx="2">
+            <a:schemeClr val="accent1">
+              <a:shade val="50000"/>
+            </a:schemeClr>
+          </a:lnRef>
+          <a:fillRef idx="1">
+            <a:schemeClr val="accent1"/>
+          </a:fillRef>
+          <a:effectRef idx="0">
+            <a:schemeClr val="accent1"/>
+          </a:effectRef>
+          <a:fontRef idx="minor">
+            <a:schemeClr val="lt1"/>
+          </a:fontRef>
+        </p:style>
+        <p:txBody>
+          <a:bodyPr lIns="0" rIns="0" rtlCol="0" anchor="ctr"/>
+          <a:lstStyle/>
+          <a:p>
+            <a:pPr algn="ctr"/>
+            <a:r>
+              <a:rPr lang="en-NZ" sz="1050" dirty="0"/>
+              <a:t>Asks Creator for more toolkits</a:t>
+            </a:r>
+          </a:p>
+        </p:txBody>
+      </p:sp>
+      <p:sp>
+        <p:nvSpPr>
+          <p:cNvPr id="19" name="Oval 18">
+            <a:extLst>
+              <a:ext uri="{FF2B5EF4-FFF2-40B4-BE49-F238E27FC236}">
+                <a16:creationId xmlns:a16="http://schemas.microsoft.com/office/drawing/2014/main" id="{2031281F-592B-41DC-FFF3-2770424730F7}"/>
+              </a:ext>
+            </a:extLst>
+          </p:cNvPr>
+          <p:cNvSpPr/>
+          <p:nvPr/>
+        </p:nvSpPr>
+        <p:spPr>
+          <a:xfrm>
+            <a:off x="6444343" y="1942974"/>
+            <a:ext cx="1005444" cy="1005444"/>
+          </a:xfrm>
+          <a:prstGeom prst="ellipse">
+            <a:avLst/>
+          </a:prstGeom>
+          <a:solidFill>
+            <a:schemeClr val="accent2">
+              <a:lumMod val="50000"/>
+            </a:schemeClr>
+          </a:solidFill>
+          <a:ln w="38100">
+            <a:solidFill>
+              <a:schemeClr val="tx2"/>
+            </a:solidFill>
+          </a:ln>
+        </p:spPr>
+        <p:style>
+          <a:lnRef idx="2">
+            <a:schemeClr val="accent1">
+              <a:shade val="50000"/>
+            </a:schemeClr>
+          </a:lnRef>
+          <a:fillRef idx="1">
+            <a:schemeClr val="accent1"/>
+          </a:fillRef>
+          <a:effectRef idx="0">
+            <a:schemeClr val="accent1"/>
+          </a:effectRef>
+          <a:fontRef idx="minor">
+            <a:schemeClr val="lt1"/>
+          </a:fontRef>
+        </p:style>
+        <p:txBody>
+          <a:bodyPr lIns="0" rIns="0" rtlCol="0" anchor="ctr"/>
+          <a:lstStyle/>
+          <a:p>
+            <a:pPr algn="ctr"/>
+            <a:r>
+              <a:rPr lang="en-NZ" sz="1050" dirty="0"/>
+              <a:t>Decides to modify existing toolkit</a:t>
+            </a:r>
+          </a:p>
+        </p:txBody>
+      </p:sp>
+      <p:sp>
+        <p:nvSpPr>
+          <p:cNvPr id="20" name="Oval 19">
+            <a:extLst>
+              <a:ext uri="{FF2B5EF4-FFF2-40B4-BE49-F238E27FC236}">
+                <a16:creationId xmlns:a16="http://schemas.microsoft.com/office/drawing/2014/main" id="{76273C0A-99AB-BBE9-54DD-D9BA8D0B909E}"/>
+              </a:ext>
+            </a:extLst>
+          </p:cNvPr>
+          <p:cNvSpPr/>
+          <p:nvPr/>
+        </p:nvSpPr>
+        <p:spPr>
+          <a:xfrm>
+            <a:off x="7689273" y="1942974"/>
+            <a:ext cx="1005444" cy="1005444"/>
+          </a:xfrm>
+          <a:prstGeom prst="ellipse">
+            <a:avLst/>
+          </a:prstGeom>
+          <a:solidFill>
+            <a:schemeClr val="accent2">
+              <a:lumMod val="50000"/>
+            </a:schemeClr>
+          </a:solidFill>
+          <a:ln w="38100">
+            <a:solidFill>
+              <a:schemeClr val="tx2"/>
+            </a:solidFill>
+          </a:ln>
+        </p:spPr>
+        <p:style>
+          <a:lnRef idx="2">
+            <a:schemeClr val="accent1">
+              <a:shade val="50000"/>
+            </a:schemeClr>
+          </a:lnRef>
+          <a:fillRef idx="1">
+            <a:schemeClr val="accent1"/>
+          </a:fillRef>
+          <a:effectRef idx="0">
+            <a:schemeClr val="accent1"/>
+          </a:effectRef>
+          <a:fontRef idx="minor">
+            <a:schemeClr val="lt1"/>
+          </a:fontRef>
+        </p:style>
+        <p:txBody>
+          <a:bodyPr lIns="0" rIns="0" rtlCol="0" anchor="ctr"/>
+          <a:lstStyle/>
+          <a:p>
+            <a:pPr algn="ctr"/>
+            <a:r>
+              <a:rPr lang="en-NZ" sz="1050" dirty="0"/>
+              <a:t>Decides to create own toolkits</a:t>
+            </a:r>
+          </a:p>
+        </p:txBody>
+      </p:sp>
+      <p:sp>
+        <p:nvSpPr>
+          <p:cNvPr id="21" name="Oval 20">
+            <a:extLst>
+              <a:ext uri="{FF2B5EF4-FFF2-40B4-BE49-F238E27FC236}">
+                <a16:creationId xmlns:a16="http://schemas.microsoft.com/office/drawing/2014/main" id="{E73BAF32-B487-B58D-C4F2-52D05CDC7347}"/>
+              </a:ext>
+            </a:extLst>
+          </p:cNvPr>
+          <p:cNvSpPr/>
+          <p:nvPr/>
+        </p:nvSpPr>
+        <p:spPr>
+          <a:xfrm>
+            <a:off x="2720049" y="2898750"/>
+            <a:ext cx="1005444" cy="1005444"/>
+          </a:xfrm>
+          <a:prstGeom prst="ellipse">
+            <a:avLst/>
+          </a:prstGeom>
+          <a:solidFill>
+            <a:schemeClr val="accent2">
+              <a:lumMod val="75000"/>
+            </a:schemeClr>
+          </a:solidFill>
+          <a:ln w="38100">
+            <a:solidFill>
+              <a:schemeClr val="tx2"/>
+            </a:solidFill>
+          </a:ln>
+        </p:spPr>
+        <p:style>
+          <a:lnRef idx="2">
+            <a:schemeClr val="accent1">
+              <a:shade val="50000"/>
+            </a:schemeClr>
+          </a:lnRef>
+          <a:fillRef idx="1">
+            <a:schemeClr val="accent1"/>
+          </a:fillRef>
+          <a:effectRef idx="0">
+            <a:schemeClr val="accent1"/>
+          </a:effectRef>
+          <a:fontRef idx="minor">
+            <a:schemeClr val="lt1"/>
+          </a:fontRef>
+        </p:style>
+        <p:txBody>
+          <a:bodyPr lIns="0" rIns="0" rtlCol="0" anchor="ctr"/>
+          <a:lstStyle/>
+          <a:p>
+            <a:pPr algn="ctr"/>
+            <a:r>
+              <a:rPr lang="en-NZ" sz="1000" dirty="0"/>
+              <a:t>Downloads Installs CLI/Plugin</a:t>
+            </a:r>
+          </a:p>
+        </p:txBody>
+      </p:sp>
+      <p:sp>
+        <p:nvSpPr>
+          <p:cNvPr id="22" name="Oval 21">
+            <a:extLst>
+              <a:ext uri="{FF2B5EF4-FFF2-40B4-BE49-F238E27FC236}">
+                <a16:creationId xmlns:a16="http://schemas.microsoft.com/office/drawing/2014/main" id="{DD19B0DA-8DEF-6D95-3B06-17A644BB9BB8}"/>
+              </a:ext>
+            </a:extLst>
+          </p:cNvPr>
+          <p:cNvSpPr/>
+          <p:nvPr/>
+        </p:nvSpPr>
+        <p:spPr>
+          <a:xfrm>
+            <a:off x="213343" y="3807608"/>
+            <a:ext cx="1005444" cy="1005444"/>
+          </a:xfrm>
+          <a:prstGeom prst="ellipse">
+            <a:avLst/>
+          </a:prstGeom>
+          <a:solidFill>
+            <a:schemeClr val="accent2">
+              <a:lumMod val="50000"/>
+            </a:schemeClr>
+          </a:solidFill>
+          <a:ln w="38100">
+            <a:solidFill>
+              <a:schemeClr val="tx2"/>
+            </a:solidFill>
+          </a:ln>
+        </p:spPr>
+        <p:style>
+          <a:lnRef idx="2">
+            <a:schemeClr val="accent1">
+              <a:shade val="50000"/>
+            </a:schemeClr>
+          </a:lnRef>
+          <a:fillRef idx="1">
+            <a:schemeClr val="accent1"/>
+          </a:fillRef>
+          <a:effectRef idx="0">
+            <a:schemeClr val="accent1"/>
+          </a:effectRef>
+          <a:fontRef idx="minor">
+            <a:schemeClr val="lt1"/>
+          </a:fontRef>
+        </p:style>
+        <p:txBody>
+          <a:bodyPr lIns="0" rIns="0" rtlCol="0" anchor="ctr"/>
+          <a:lstStyle/>
+          <a:p>
+            <a:pPr algn="ctr"/>
+            <a:r>
+              <a:rPr lang="en-NZ" sz="1000" dirty="0"/>
+              <a:t>Happens upon automate</a:t>
+            </a:r>
+          </a:p>
+        </p:txBody>
+      </p:sp>
+      <p:cxnSp>
+        <p:nvCxnSpPr>
+          <p:cNvPr id="23" name="Straight Arrow Connector 13">
+            <a:extLst>
+              <a:ext uri="{FF2B5EF4-FFF2-40B4-BE49-F238E27FC236}">
+                <a16:creationId xmlns:a16="http://schemas.microsoft.com/office/drawing/2014/main" id="{A1F4BDEC-A999-7EB9-35F1-A983CFF0F5A4}"/>
+              </a:ext>
+            </a:extLst>
+          </p:cNvPr>
+          <p:cNvCxnSpPr>
+            <a:cxnSpLocks/>
+            <a:stCxn id="20" idx="4"/>
+            <a:endCxn id="28" idx="7"/>
+          </p:cNvCxnSpPr>
+          <p:nvPr/>
+        </p:nvCxnSpPr>
+        <p:spPr>
+          <a:xfrm rot="5400000">
+            <a:off x="5999122" y="1761979"/>
+            <a:ext cx="1006434" cy="3379312"/>
+          </a:xfrm>
+          <a:prstGeom prst="curvedConnector3">
+            <a:avLst>
+              <a:gd name="adj1" fmla="val 50000"/>
+            </a:avLst>
+          </a:prstGeom>
+          <a:ln w="38100">
+            <a:solidFill>
+              <a:schemeClr val="tx2"/>
+            </a:solidFill>
+            <a:tailEnd type="triangle"/>
+          </a:ln>
+        </p:spPr>
+        <p:style>
+          <a:lnRef idx="1">
+            <a:schemeClr val="accent1"/>
+          </a:lnRef>
+          <a:fillRef idx="0">
+            <a:schemeClr val="accent1"/>
+          </a:fillRef>
+          <a:effectRef idx="0">
+            <a:schemeClr val="accent1"/>
+          </a:effectRef>
+          <a:fontRef idx="minor">
+            <a:schemeClr val="tx1"/>
+          </a:fontRef>
+        </p:style>
+      </p:cxnSp>
+      <p:sp>
+        <p:nvSpPr>
+          <p:cNvPr id="27" name="Oval 26">
+            <a:extLst>
+              <a:ext uri="{FF2B5EF4-FFF2-40B4-BE49-F238E27FC236}">
+                <a16:creationId xmlns:a16="http://schemas.microsoft.com/office/drawing/2014/main" id="{F422A7DA-B457-8F07-88C9-072475692B18}"/>
+              </a:ext>
+            </a:extLst>
+          </p:cNvPr>
+          <p:cNvSpPr/>
+          <p:nvPr/>
+        </p:nvSpPr>
+        <p:spPr>
+          <a:xfrm>
+            <a:off x="1464623" y="3810212"/>
+            <a:ext cx="1005444" cy="1005444"/>
+          </a:xfrm>
+          <a:prstGeom prst="ellipse">
+            <a:avLst/>
+          </a:prstGeom>
+          <a:solidFill>
+            <a:schemeClr val="accent2">
+              <a:lumMod val="75000"/>
+            </a:schemeClr>
+          </a:solidFill>
+          <a:ln w="38100">
+            <a:solidFill>
+              <a:schemeClr val="tx2"/>
+            </a:solidFill>
+          </a:ln>
+        </p:spPr>
+        <p:style>
+          <a:lnRef idx="2">
+            <a:schemeClr val="accent1">
+              <a:shade val="50000"/>
+            </a:schemeClr>
+          </a:lnRef>
+          <a:fillRef idx="1">
+            <a:schemeClr val="accent1"/>
+          </a:fillRef>
+          <a:effectRef idx="0">
+            <a:schemeClr val="accent1"/>
+          </a:effectRef>
+          <a:fontRef idx="minor">
+            <a:schemeClr val="lt1"/>
+          </a:fontRef>
+        </p:style>
+        <p:txBody>
+          <a:bodyPr lIns="0" rIns="0" rtlCol="0" anchor="ctr"/>
+          <a:lstStyle/>
+          <a:p>
+            <a:pPr algn="ctr"/>
+            <a:r>
+              <a:rPr lang="en-NZ" sz="1050" dirty="0"/>
+              <a:t>Decides to create toolkit</a:t>
+            </a:r>
+          </a:p>
+        </p:txBody>
+      </p:sp>
+      <p:sp>
+        <p:nvSpPr>
+          <p:cNvPr id="28" name="Oval 27">
+            <a:extLst>
+              <a:ext uri="{FF2B5EF4-FFF2-40B4-BE49-F238E27FC236}">
+                <a16:creationId xmlns:a16="http://schemas.microsoft.com/office/drawing/2014/main" id="{ABFA8F7B-BBAA-9796-47DF-127BF65A0959}"/>
+              </a:ext>
+            </a:extLst>
+          </p:cNvPr>
+          <p:cNvSpPr/>
+          <p:nvPr/>
+        </p:nvSpPr>
+        <p:spPr>
+          <a:xfrm>
+            <a:off x="3954483" y="3807608"/>
+            <a:ext cx="1005444" cy="1005444"/>
+          </a:xfrm>
+          <a:prstGeom prst="ellipse">
+            <a:avLst/>
+          </a:prstGeom>
+          <a:solidFill>
+            <a:schemeClr val="accent2">
+              <a:lumMod val="75000"/>
+            </a:schemeClr>
+          </a:solidFill>
+          <a:ln w="38100">
+            <a:solidFill>
+              <a:schemeClr val="tx2"/>
+            </a:solidFill>
+          </a:ln>
+        </p:spPr>
+        <p:style>
+          <a:lnRef idx="2">
+            <a:schemeClr val="accent1">
+              <a:shade val="50000"/>
+            </a:schemeClr>
+          </a:lnRef>
+          <a:fillRef idx="1">
+            <a:schemeClr val="accent1"/>
+          </a:fillRef>
+          <a:effectRef idx="0">
+            <a:schemeClr val="accent1"/>
+          </a:effectRef>
+          <a:fontRef idx="minor">
+            <a:schemeClr val="lt1"/>
+          </a:fontRef>
+        </p:style>
+        <p:txBody>
+          <a:bodyPr lIns="0" rIns="0" rtlCol="0" anchor="ctr"/>
+          <a:lstStyle/>
+          <a:p>
+            <a:pPr algn="ctr"/>
+            <a:r>
+              <a:rPr lang="en-NZ" sz="1050" dirty="0"/>
+              <a:t>Creates first toolkit</a:t>
+            </a:r>
+          </a:p>
+        </p:txBody>
+      </p:sp>
+      <p:sp>
+        <p:nvSpPr>
+          <p:cNvPr id="29" name="Oval 28">
+            <a:extLst>
+              <a:ext uri="{FF2B5EF4-FFF2-40B4-BE49-F238E27FC236}">
+                <a16:creationId xmlns:a16="http://schemas.microsoft.com/office/drawing/2014/main" id="{E5BE7D3F-3B3C-71E8-5A38-26D1D3F60557}"/>
+              </a:ext>
+            </a:extLst>
+          </p:cNvPr>
+          <p:cNvSpPr/>
+          <p:nvPr/>
+        </p:nvSpPr>
+        <p:spPr>
+          <a:xfrm>
+            <a:off x="5188987" y="3813306"/>
+            <a:ext cx="1005444" cy="1005444"/>
+          </a:xfrm>
+          <a:prstGeom prst="ellipse">
+            <a:avLst/>
+          </a:prstGeom>
+          <a:solidFill>
+            <a:schemeClr val="accent6">
+              <a:lumMod val="75000"/>
+            </a:schemeClr>
+          </a:solidFill>
+          <a:ln w="38100">
+            <a:solidFill>
+              <a:schemeClr val="tx2"/>
+            </a:solidFill>
+          </a:ln>
+        </p:spPr>
+        <p:style>
+          <a:lnRef idx="2">
+            <a:schemeClr val="accent1">
+              <a:shade val="50000"/>
+            </a:schemeClr>
+          </a:lnRef>
+          <a:fillRef idx="1">
+            <a:schemeClr val="accent1"/>
+          </a:fillRef>
+          <a:effectRef idx="0">
+            <a:schemeClr val="accent1"/>
+          </a:effectRef>
+          <a:fontRef idx="minor">
+            <a:schemeClr val="lt1"/>
+          </a:fontRef>
+        </p:style>
+        <p:txBody>
+          <a:bodyPr lIns="0" rIns="0" rtlCol="0" anchor="ctr"/>
+          <a:lstStyle/>
+          <a:p>
+            <a:pPr algn="ctr"/>
+            <a:r>
+              <a:rPr lang="en-NZ" sz="1050" dirty="0"/>
+              <a:t>Tries out toolkit on codebase</a:t>
+            </a:r>
+          </a:p>
+        </p:txBody>
+      </p:sp>
+      <p:sp>
+        <p:nvSpPr>
+          <p:cNvPr id="30" name="Oval 29">
+            <a:extLst>
+              <a:ext uri="{FF2B5EF4-FFF2-40B4-BE49-F238E27FC236}">
+                <a16:creationId xmlns:a16="http://schemas.microsoft.com/office/drawing/2014/main" id="{60DB8A56-FCC6-8ADD-E3C2-57BD7A16CBE1}"/>
+              </a:ext>
+            </a:extLst>
+          </p:cNvPr>
+          <p:cNvSpPr/>
+          <p:nvPr/>
+        </p:nvSpPr>
+        <p:spPr>
+          <a:xfrm>
+            <a:off x="6449673" y="3807608"/>
+            <a:ext cx="1005444" cy="1005444"/>
+          </a:xfrm>
+          <a:prstGeom prst="ellipse">
+            <a:avLst/>
+          </a:prstGeom>
+          <a:solidFill>
+            <a:schemeClr val="accent6">
+              <a:lumMod val="75000"/>
+            </a:schemeClr>
+          </a:solidFill>
+          <a:ln w="38100">
+            <a:solidFill>
+              <a:schemeClr val="tx2"/>
+            </a:solidFill>
+          </a:ln>
+        </p:spPr>
+        <p:style>
+          <a:lnRef idx="2">
+            <a:schemeClr val="accent1">
+              <a:shade val="50000"/>
+            </a:schemeClr>
+          </a:lnRef>
+          <a:fillRef idx="1">
+            <a:schemeClr val="accent1"/>
+          </a:fillRef>
+          <a:effectRef idx="0">
+            <a:schemeClr val="accent1"/>
+          </a:effectRef>
+          <a:fontRef idx="minor">
+            <a:schemeClr val="lt1"/>
+          </a:fontRef>
+        </p:style>
+        <p:txBody>
+          <a:bodyPr lIns="0" rIns="0" rtlCol="0" anchor="ctr"/>
+          <a:lstStyle/>
+          <a:p>
+            <a:pPr algn="ctr"/>
+            <a:r>
+              <a:rPr lang="en-NZ" sz="1050" dirty="0"/>
+              <a:t>Improves toolkit</a:t>
+            </a:r>
+          </a:p>
+        </p:txBody>
+      </p:sp>
+      <p:sp>
+        <p:nvSpPr>
+          <p:cNvPr id="31" name="Oval 30">
+            <a:extLst>
+              <a:ext uri="{FF2B5EF4-FFF2-40B4-BE49-F238E27FC236}">
+                <a16:creationId xmlns:a16="http://schemas.microsoft.com/office/drawing/2014/main" id="{6B673B30-3EA1-3883-C946-A3F1C97FB32C}"/>
+              </a:ext>
+            </a:extLst>
+          </p:cNvPr>
+          <p:cNvSpPr/>
+          <p:nvPr/>
+        </p:nvSpPr>
+        <p:spPr>
+          <a:xfrm>
+            <a:off x="7689273" y="3807608"/>
+            <a:ext cx="1005444" cy="1005444"/>
+          </a:xfrm>
+          <a:prstGeom prst="ellipse">
+            <a:avLst/>
+          </a:prstGeom>
+          <a:solidFill>
+            <a:schemeClr val="accent6">
+              <a:lumMod val="75000"/>
+            </a:schemeClr>
+          </a:solidFill>
+          <a:ln w="38100">
+            <a:solidFill>
+              <a:schemeClr val="tx2"/>
+            </a:solidFill>
+          </a:ln>
+        </p:spPr>
+        <p:style>
+          <a:lnRef idx="2">
+            <a:schemeClr val="accent1">
+              <a:shade val="50000"/>
+            </a:schemeClr>
+          </a:lnRef>
+          <a:fillRef idx="1">
+            <a:schemeClr val="accent1"/>
+          </a:fillRef>
+          <a:effectRef idx="0">
+            <a:schemeClr val="accent1"/>
+          </a:effectRef>
+          <a:fontRef idx="minor">
+            <a:schemeClr val="lt1"/>
+          </a:fontRef>
+        </p:style>
+        <p:txBody>
+          <a:bodyPr lIns="0" rIns="0" rtlCol="0" anchor="ctr"/>
+          <a:lstStyle/>
+          <a:p>
+            <a:pPr algn="ctr"/>
+            <a:r>
+              <a:rPr lang="en-NZ" sz="1050" dirty="0"/>
+              <a:t>Publishes toolkit to others</a:t>
+            </a:r>
+          </a:p>
+        </p:txBody>
+      </p:sp>
+      <p:cxnSp>
+        <p:nvCxnSpPr>
+          <p:cNvPr id="32" name="Straight Arrow Connector 13">
+            <a:extLst>
+              <a:ext uri="{FF2B5EF4-FFF2-40B4-BE49-F238E27FC236}">
+                <a16:creationId xmlns:a16="http://schemas.microsoft.com/office/drawing/2014/main" id="{C55D2421-04DF-F4D1-3A47-A7C1315ABCD5}"/>
+              </a:ext>
+            </a:extLst>
+          </p:cNvPr>
+          <p:cNvCxnSpPr>
+            <a:cxnSpLocks/>
+            <a:stCxn id="31" idx="3"/>
+            <a:endCxn id="30" idx="5"/>
+          </p:cNvCxnSpPr>
+          <p:nvPr/>
+        </p:nvCxnSpPr>
+        <p:spPr>
+          <a:xfrm rot="5400000">
+            <a:off x="7572195" y="4401486"/>
+            <a:ext cx="12700" cy="528644"/>
+          </a:xfrm>
+          <a:prstGeom prst="curvedConnector3">
+            <a:avLst>
+              <a:gd name="adj1" fmla="val 1355614"/>
+            </a:avLst>
+          </a:prstGeom>
+          <a:ln w="38100">
+            <a:solidFill>
+              <a:schemeClr val="tx2"/>
+            </a:solidFill>
+            <a:tailEnd type="triangle"/>
+          </a:ln>
+        </p:spPr>
+        <p:style>
+          <a:lnRef idx="1">
+            <a:schemeClr val="accent1"/>
+          </a:lnRef>
+          <a:fillRef idx="0">
+            <a:schemeClr val="accent1"/>
+          </a:fillRef>
+          <a:effectRef idx="0">
+            <a:schemeClr val="accent1"/>
+          </a:effectRef>
+          <a:fontRef idx="minor">
+            <a:schemeClr val="tx1"/>
+          </a:fontRef>
+        </p:style>
+      </p:cxnSp>
+      <p:cxnSp>
+        <p:nvCxnSpPr>
+          <p:cNvPr id="36" name="Straight Arrow Connector 35">
+            <a:extLst>
+              <a:ext uri="{FF2B5EF4-FFF2-40B4-BE49-F238E27FC236}">
+                <a16:creationId xmlns:a16="http://schemas.microsoft.com/office/drawing/2014/main" id="{51947A57-EDCB-36AB-6CF9-9092F778C79F}"/>
+              </a:ext>
+            </a:extLst>
+          </p:cNvPr>
+          <p:cNvCxnSpPr>
+            <a:cxnSpLocks/>
+            <a:stCxn id="39" idx="4"/>
+            <a:endCxn id="29" idx="4"/>
+          </p:cNvCxnSpPr>
+          <p:nvPr/>
+        </p:nvCxnSpPr>
+        <p:spPr>
+          <a:xfrm rot="5400000">
+            <a:off x="7561468" y="2936943"/>
+            <a:ext cx="12048" cy="3751566"/>
+          </a:xfrm>
+          <a:prstGeom prst="curvedConnector3">
+            <a:avLst>
+              <a:gd name="adj1" fmla="val 3975755"/>
+            </a:avLst>
+          </a:prstGeom>
+          <a:ln w="38100">
+            <a:solidFill>
+              <a:schemeClr val="tx2"/>
+            </a:solidFill>
+            <a:tailEnd type="triangle"/>
+          </a:ln>
+        </p:spPr>
+        <p:style>
+          <a:lnRef idx="1">
+            <a:schemeClr val="accent1"/>
+          </a:lnRef>
+          <a:fillRef idx="0">
+            <a:schemeClr val="accent1"/>
+          </a:fillRef>
+          <a:effectRef idx="0">
+            <a:schemeClr val="accent1"/>
+          </a:effectRef>
+          <a:fontRef idx="minor">
+            <a:schemeClr val="tx1"/>
+          </a:fontRef>
+        </p:style>
+      </p:cxnSp>
+      <p:sp>
+        <p:nvSpPr>
+          <p:cNvPr id="39" name="Oval 38">
+            <a:extLst>
+              <a:ext uri="{FF2B5EF4-FFF2-40B4-BE49-F238E27FC236}">
+                <a16:creationId xmlns:a16="http://schemas.microsoft.com/office/drawing/2014/main" id="{4E84EA46-E9A1-4CC6-675F-3261BA306D49}"/>
+              </a:ext>
+            </a:extLst>
+          </p:cNvPr>
+          <p:cNvSpPr/>
+          <p:nvPr/>
+        </p:nvSpPr>
+        <p:spPr>
+          <a:xfrm>
+            <a:off x="8940553" y="3801258"/>
+            <a:ext cx="1005444" cy="1005444"/>
+          </a:xfrm>
+          <a:prstGeom prst="ellipse">
+            <a:avLst/>
+          </a:prstGeom>
+          <a:solidFill>
+            <a:schemeClr val="accent6">
+              <a:lumMod val="75000"/>
+            </a:schemeClr>
+          </a:solidFill>
+          <a:ln w="38100">
+            <a:solidFill>
+              <a:schemeClr val="tx2"/>
+            </a:solidFill>
+          </a:ln>
+        </p:spPr>
+        <p:style>
+          <a:lnRef idx="2">
+            <a:schemeClr val="accent1">
+              <a:shade val="50000"/>
+            </a:schemeClr>
+          </a:lnRef>
+          <a:fillRef idx="1">
+            <a:schemeClr val="accent1"/>
+          </a:fillRef>
+          <a:effectRef idx="0">
+            <a:schemeClr val="accent1"/>
+          </a:effectRef>
+          <a:fontRef idx="minor">
+            <a:schemeClr val="lt1"/>
+          </a:fontRef>
+        </p:style>
+        <p:txBody>
+          <a:bodyPr lIns="0" rIns="0" rtlCol="0" anchor="ctr"/>
+          <a:lstStyle/>
+          <a:p>
+            <a:pPr algn="ctr"/>
+            <a:r>
+              <a:rPr lang="en-NZ" sz="1050" dirty="0"/>
+              <a:t>Creates another toolkit</a:t>
+            </a:r>
+          </a:p>
+        </p:txBody>
+      </p:sp>
+      <p:cxnSp>
+        <p:nvCxnSpPr>
+          <p:cNvPr id="42" name="Straight Arrow Connector 13">
+            <a:extLst>
+              <a:ext uri="{FF2B5EF4-FFF2-40B4-BE49-F238E27FC236}">
+                <a16:creationId xmlns:a16="http://schemas.microsoft.com/office/drawing/2014/main" id="{4D594FDE-FBC0-F2CE-065C-6FDAEBF8A0DB}"/>
+              </a:ext>
+            </a:extLst>
+          </p:cNvPr>
+          <p:cNvCxnSpPr>
+            <a:cxnSpLocks/>
+            <a:stCxn id="31" idx="0"/>
+            <a:endCxn id="11" idx="5"/>
+          </p:cNvCxnSpPr>
+          <p:nvPr/>
+        </p:nvCxnSpPr>
+        <p:spPr>
+          <a:xfrm rot="16200000" flipV="1">
+            <a:off x="5999864" y="1615477"/>
+            <a:ext cx="1009509" cy="3374754"/>
+          </a:xfrm>
+          <a:prstGeom prst="curvedConnector3">
+            <a:avLst>
+              <a:gd name="adj1" fmla="val 50000"/>
+            </a:avLst>
+          </a:prstGeom>
+          <a:ln w="38100">
+            <a:solidFill>
+              <a:schemeClr val="tx2"/>
+            </a:solidFill>
+            <a:tailEnd type="triangle"/>
+          </a:ln>
+        </p:spPr>
+        <p:style>
+          <a:lnRef idx="1">
+            <a:schemeClr val="accent1"/>
+          </a:lnRef>
+          <a:fillRef idx="0">
+            <a:schemeClr val="accent1"/>
+          </a:fillRef>
+          <a:effectRef idx="0">
+            <a:schemeClr val="accent1"/>
+          </a:effectRef>
+          <a:fontRef idx="minor">
+            <a:schemeClr val="tx1"/>
+          </a:fontRef>
+        </p:style>
+      </p:cxnSp>
+      <p:cxnSp>
+        <p:nvCxnSpPr>
+          <p:cNvPr id="48" name="Straight Arrow Connector 47">
+            <a:extLst>
+              <a:ext uri="{FF2B5EF4-FFF2-40B4-BE49-F238E27FC236}">
+                <a16:creationId xmlns:a16="http://schemas.microsoft.com/office/drawing/2014/main" id="{1811CFE6-993C-01BB-2508-09D49BCA19BB}"/>
+              </a:ext>
+            </a:extLst>
+          </p:cNvPr>
+          <p:cNvCxnSpPr>
+            <a:stCxn id="22" idx="6"/>
+            <a:endCxn id="27" idx="2"/>
+          </p:cNvCxnSpPr>
+          <p:nvPr/>
+        </p:nvCxnSpPr>
+        <p:spPr>
+          <a:xfrm>
+            <a:off x="1218787" y="4310330"/>
+            <a:ext cx="245836" cy="2604"/>
+          </a:xfrm>
+          <a:prstGeom prst="straightConnector1">
+            <a:avLst/>
+          </a:prstGeom>
+          <a:ln w="38100">
+            <a:solidFill>
+              <a:schemeClr val="tx2"/>
+            </a:solidFill>
+            <a:tailEnd type="triangle"/>
+          </a:ln>
+        </p:spPr>
+        <p:style>
+          <a:lnRef idx="1">
+            <a:schemeClr val="accent1"/>
+          </a:lnRef>
+          <a:fillRef idx="0">
+            <a:schemeClr val="accent1"/>
+          </a:fillRef>
+          <a:effectRef idx="0">
+            <a:schemeClr val="accent1"/>
+          </a:effectRef>
+          <a:fontRef idx="minor">
+            <a:schemeClr val="tx1"/>
+          </a:fontRef>
+        </p:style>
+      </p:cxnSp>
+      <p:cxnSp>
+        <p:nvCxnSpPr>
+          <p:cNvPr id="49" name="Straight Arrow Connector 48">
+            <a:extLst>
+              <a:ext uri="{FF2B5EF4-FFF2-40B4-BE49-F238E27FC236}">
+                <a16:creationId xmlns:a16="http://schemas.microsoft.com/office/drawing/2014/main" id="{AAECD051-13D0-D343-2150-66B64E50E578}"/>
+              </a:ext>
+            </a:extLst>
+          </p:cNvPr>
+          <p:cNvCxnSpPr>
+            <a:cxnSpLocks/>
+            <a:stCxn id="27" idx="6"/>
+            <a:endCxn id="21" idx="3"/>
+          </p:cNvCxnSpPr>
+          <p:nvPr/>
+        </p:nvCxnSpPr>
+        <p:spPr>
+          <a:xfrm flipV="1">
+            <a:off x="2470067" y="3756950"/>
+            <a:ext cx="397226" cy="555984"/>
+          </a:xfrm>
+          <a:prstGeom prst="straightConnector1">
+            <a:avLst/>
+          </a:prstGeom>
+          <a:ln w="38100">
+            <a:solidFill>
+              <a:schemeClr val="tx2"/>
+            </a:solidFill>
+            <a:tailEnd type="triangle"/>
+          </a:ln>
+        </p:spPr>
+        <p:style>
+          <a:lnRef idx="1">
+            <a:schemeClr val="accent1"/>
+          </a:lnRef>
+          <a:fillRef idx="0">
+            <a:schemeClr val="accent1"/>
+          </a:fillRef>
+          <a:effectRef idx="0">
+            <a:schemeClr val="accent1"/>
+          </a:effectRef>
+          <a:fontRef idx="minor">
+            <a:schemeClr val="tx1"/>
+          </a:fontRef>
+        </p:style>
+      </p:cxnSp>
+      <p:cxnSp>
+        <p:nvCxnSpPr>
+          <p:cNvPr id="52" name="Straight Arrow Connector 51">
+            <a:extLst>
+              <a:ext uri="{FF2B5EF4-FFF2-40B4-BE49-F238E27FC236}">
+                <a16:creationId xmlns:a16="http://schemas.microsoft.com/office/drawing/2014/main" id="{63CDAF58-FF69-51F0-D355-27D6A23CDCB9}"/>
+              </a:ext>
+            </a:extLst>
+          </p:cNvPr>
+          <p:cNvCxnSpPr>
+            <a:cxnSpLocks/>
+            <a:stCxn id="21" idx="5"/>
+            <a:endCxn id="28" idx="2"/>
+          </p:cNvCxnSpPr>
+          <p:nvPr/>
+        </p:nvCxnSpPr>
+        <p:spPr>
+          <a:xfrm>
+            <a:off x="3578249" y="3756950"/>
+            <a:ext cx="376234" cy="553380"/>
+          </a:xfrm>
+          <a:prstGeom prst="straightConnector1">
+            <a:avLst/>
+          </a:prstGeom>
+          <a:ln w="38100">
+            <a:solidFill>
+              <a:schemeClr val="tx2"/>
+            </a:solidFill>
+            <a:tailEnd type="triangle"/>
+          </a:ln>
+        </p:spPr>
+        <p:style>
+          <a:lnRef idx="1">
+            <a:schemeClr val="accent1"/>
+          </a:lnRef>
+          <a:fillRef idx="0">
+            <a:schemeClr val="accent1"/>
+          </a:fillRef>
+          <a:effectRef idx="0">
+            <a:schemeClr val="accent1"/>
+          </a:effectRef>
+          <a:fontRef idx="minor">
+            <a:schemeClr val="tx1"/>
+          </a:fontRef>
+        </p:style>
+      </p:cxnSp>
+      <p:cxnSp>
+        <p:nvCxnSpPr>
+          <p:cNvPr id="55" name="Straight Arrow Connector 54">
+            <a:extLst>
+              <a:ext uri="{FF2B5EF4-FFF2-40B4-BE49-F238E27FC236}">
+                <a16:creationId xmlns:a16="http://schemas.microsoft.com/office/drawing/2014/main" id="{5F5082E7-4015-3085-8795-D06CFD42500A}"/>
+              </a:ext>
+            </a:extLst>
+          </p:cNvPr>
+          <p:cNvCxnSpPr>
+            <a:cxnSpLocks/>
+            <a:stCxn id="28" idx="6"/>
+            <a:endCxn id="29" idx="2"/>
+          </p:cNvCxnSpPr>
+          <p:nvPr/>
+        </p:nvCxnSpPr>
+        <p:spPr>
+          <a:xfrm>
+            <a:off x="4959927" y="4310330"/>
+            <a:ext cx="229060" cy="5698"/>
+          </a:xfrm>
+          <a:prstGeom prst="straightConnector1">
+            <a:avLst/>
+          </a:prstGeom>
+          <a:ln w="38100">
+            <a:solidFill>
+              <a:schemeClr val="tx2"/>
+            </a:solidFill>
+            <a:tailEnd type="triangle"/>
+          </a:ln>
+        </p:spPr>
+        <p:style>
+          <a:lnRef idx="1">
+            <a:schemeClr val="accent1"/>
+          </a:lnRef>
+          <a:fillRef idx="0">
+            <a:schemeClr val="accent1"/>
+          </a:fillRef>
+          <a:effectRef idx="0">
+            <a:schemeClr val="accent1"/>
+          </a:effectRef>
+          <a:fontRef idx="minor">
+            <a:schemeClr val="tx1"/>
+          </a:fontRef>
+        </p:style>
+      </p:cxnSp>
+      <p:cxnSp>
+        <p:nvCxnSpPr>
+          <p:cNvPr id="58" name="Straight Arrow Connector 57">
+            <a:extLst>
+              <a:ext uri="{FF2B5EF4-FFF2-40B4-BE49-F238E27FC236}">
+                <a16:creationId xmlns:a16="http://schemas.microsoft.com/office/drawing/2014/main" id="{60675816-6A71-B69D-5152-C830F8D9B69D}"/>
+              </a:ext>
+            </a:extLst>
+          </p:cNvPr>
+          <p:cNvCxnSpPr>
+            <a:cxnSpLocks/>
+            <a:stCxn id="29" idx="6"/>
+            <a:endCxn id="30" idx="2"/>
+          </p:cNvCxnSpPr>
+          <p:nvPr/>
+        </p:nvCxnSpPr>
+        <p:spPr>
+          <a:xfrm flipV="1">
+            <a:off x="6194431" y="4310330"/>
+            <a:ext cx="255242" cy="5698"/>
+          </a:xfrm>
+          <a:prstGeom prst="straightConnector1">
+            <a:avLst/>
+          </a:prstGeom>
+          <a:ln w="38100">
+            <a:solidFill>
+              <a:schemeClr val="tx2"/>
+            </a:solidFill>
+            <a:tailEnd type="triangle"/>
+          </a:ln>
+        </p:spPr>
+        <p:style>
+          <a:lnRef idx="1">
+            <a:schemeClr val="accent1"/>
+          </a:lnRef>
+          <a:fillRef idx="0">
+            <a:schemeClr val="accent1"/>
+          </a:fillRef>
+          <a:effectRef idx="0">
+            <a:schemeClr val="accent1"/>
+          </a:effectRef>
+          <a:fontRef idx="minor">
+            <a:schemeClr val="tx1"/>
+          </a:fontRef>
+        </p:style>
+      </p:cxnSp>
+      <p:cxnSp>
+        <p:nvCxnSpPr>
+          <p:cNvPr id="61" name="Straight Arrow Connector 60">
+            <a:extLst>
+              <a:ext uri="{FF2B5EF4-FFF2-40B4-BE49-F238E27FC236}">
+                <a16:creationId xmlns:a16="http://schemas.microsoft.com/office/drawing/2014/main" id="{73CDFEA7-C6C6-5047-B08A-943B3D80BFBA}"/>
+              </a:ext>
+            </a:extLst>
+          </p:cNvPr>
+          <p:cNvCxnSpPr>
+            <a:cxnSpLocks/>
+            <a:stCxn id="30" idx="6"/>
+            <a:endCxn id="31" idx="2"/>
+          </p:cNvCxnSpPr>
+          <p:nvPr/>
+        </p:nvCxnSpPr>
+        <p:spPr>
+          <a:xfrm>
+            <a:off x="7455117" y="4310330"/>
+            <a:ext cx="234156" cy="0"/>
+          </a:xfrm>
+          <a:prstGeom prst="straightConnector1">
+            <a:avLst/>
+          </a:prstGeom>
+          <a:ln w="38100">
+            <a:solidFill>
+              <a:schemeClr val="tx2"/>
+            </a:solidFill>
+            <a:tailEnd type="triangle"/>
+          </a:ln>
+        </p:spPr>
+        <p:style>
+          <a:lnRef idx="1">
+            <a:schemeClr val="accent1"/>
+          </a:lnRef>
+          <a:fillRef idx="0">
+            <a:schemeClr val="accent1"/>
+          </a:fillRef>
+          <a:effectRef idx="0">
+            <a:schemeClr val="accent1"/>
+          </a:effectRef>
+          <a:fontRef idx="minor">
+            <a:schemeClr val="tx1"/>
+          </a:fontRef>
+        </p:style>
+      </p:cxnSp>
+      <p:cxnSp>
+        <p:nvCxnSpPr>
+          <p:cNvPr id="64" name="Straight Arrow Connector 63">
+            <a:extLst>
+              <a:ext uri="{FF2B5EF4-FFF2-40B4-BE49-F238E27FC236}">
+                <a16:creationId xmlns:a16="http://schemas.microsoft.com/office/drawing/2014/main" id="{55F88C26-263D-CCEE-A251-31A246F0AE39}"/>
+              </a:ext>
+            </a:extLst>
+          </p:cNvPr>
+          <p:cNvCxnSpPr>
+            <a:cxnSpLocks/>
+            <a:stCxn id="31" idx="6"/>
+            <a:endCxn id="39" idx="2"/>
+          </p:cNvCxnSpPr>
+          <p:nvPr/>
+        </p:nvCxnSpPr>
+        <p:spPr>
+          <a:xfrm flipV="1">
+            <a:off x="8694717" y="4303980"/>
+            <a:ext cx="245836" cy="6350"/>
+          </a:xfrm>
+          <a:prstGeom prst="straightConnector1">
+            <a:avLst/>
+          </a:prstGeom>
+          <a:ln w="38100">
+            <a:solidFill>
+              <a:schemeClr val="tx2"/>
+            </a:solidFill>
+            <a:tailEnd type="triangle"/>
+          </a:ln>
+        </p:spPr>
+        <p:style>
+          <a:lnRef idx="1">
+            <a:schemeClr val="accent1"/>
+          </a:lnRef>
+          <a:fillRef idx="0">
+            <a:schemeClr val="accent1"/>
+          </a:fillRef>
+          <a:effectRef idx="0">
+            <a:schemeClr val="accent1"/>
+          </a:effectRef>
+          <a:fontRef idx="minor">
+            <a:schemeClr val="tx1"/>
+          </a:fontRef>
+        </p:style>
+      </p:cxnSp>
+      <p:cxnSp>
+        <p:nvCxnSpPr>
+          <p:cNvPr id="70" name="Straight Arrow Connector 69">
+            <a:extLst>
+              <a:ext uri="{FF2B5EF4-FFF2-40B4-BE49-F238E27FC236}">
+                <a16:creationId xmlns:a16="http://schemas.microsoft.com/office/drawing/2014/main" id="{F4E3EA2C-03C5-7F05-FCDF-0076B88DC8FD}"/>
+              </a:ext>
+            </a:extLst>
+          </p:cNvPr>
+          <p:cNvCxnSpPr>
+            <a:cxnSpLocks/>
+            <a:stCxn id="11" idx="6"/>
+            <a:endCxn id="12" idx="2"/>
+          </p:cNvCxnSpPr>
+          <p:nvPr/>
+        </p:nvCxnSpPr>
+        <p:spPr>
+          <a:xfrm>
+            <a:off x="4964485" y="2442621"/>
+            <a:ext cx="239486" cy="0"/>
+          </a:xfrm>
+          <a:prstGeom prst="straightConnector1">
+            <a:avLst/>
+          </a:prstGeom>
+          <a:ln w="38100">
+            <a:solidFill>
+              <a:schemeClr val="tx2"/>
+            </a:solidFill>
+            <a:tailEnd type="triangle"/>
+          </a:ln>
+        </p:spPr>
+        <p:style>
+          <a:lnRef idx="1">
+            <a:schemeClr val="accent1"/>
+          </a:lnRef>
+          <a:fillRef idx="0">
+            <a:schemeClr val="accent1"/>
+          </a:fillRef>
+          <a:effectRef idx="0">
+            <a:schemeClr val="accent1"/>
+          </a:effectRef>
+          <a:fontRef idx="minor">
+            <a:schemeClr val="tx1"/>
+          </a:fontRef>
+        </p:style>
+      </p:cxnSp>
+      <p:cxnSp>
+        <p:nvCxnSpPr>
+          <p:cNvPr id="73" name="Straight Arrow Connector 72">
+            <a:extLst>
+              <a:ext uri="{FF2B5EF4-FFF2-40B4-BE49-F238E27FC236}">
+                <a16:creationId xmlns:a16="http://schemas.microsoft.com/office/drawing/2014/main" id="{568D6667-F328-E2C7-33E8-131B199A49E0}"/>
+              </a:ext>
+            </a:extLst>
+          </p:cNvPr>
+          <p:cNvCxnSpPr>
+            <a:cxnSpLocks/>
+            <a:stCxn id="12" idx="0"/>
+            <a:endCxn id="18" idx="3"/>
+          </p:cNvCxnSpPr>
+          <p:nvPr/>
+        </p:nvCxnSpPr>
+        <p:spPr>
+          <a:xfrm rot="5400000" flipH="1" flipV="1">
+            <a:off x="5638918" y="1612244"/>
+            <a:ext cx="395430" cy="259881"/>
+          </a:xfrm>
+          <a:prstGeom prst="curvedConnector3">
+            <a:avLst>
+              <a:gd name="adj1" fmla="val 50000"/>
+            </a:avLst>
+          </a:prstGeom>
+          <a:ln w="38100">
+            <a:solidFill>
+              <a:schemeClr val="tx2"/>
+            </a:solidFill>
+            <a:tailEnd type="triangle"/>
+          </a:ln>
+        </p:spPr>
+        <p:style>
+          <a:lnRef idx="1">
+            <a:schemeClr val="accent1"/>
+          </a:lnRef>
+          <a:fillRef idx="0">
+            <a:schemeClr val="accent1"/>
+          </a:fillRef>
+          <a:effectRef idx="0">
+            <a:schemeClr val="accent1"/>
+          </a:effectRef>
+          <a:fontRef idx="minor">
+            <a:schemeClr val="tx1"/>
+          </a:fontRef>
+        </p:style>
+      </p:cxnSp>
+      <p:cxnSp>
+        <p:nvCxnSpPr>
+          <p:cNvPr id="79" name="Straight Arrow Connector 78">
+            <a:extLst>
+              <a:ext uri="{FF2B5EF4-FFF2-40B4-BE49-F238E27FC236}">
+                <a16:creationId xmlns:a16="http://schemas.microsoft.com/office/drawing/2014/main" id="{5EC1197C-AAD1-7EEA-7EA8-EAF0E3BADAC3}"/>
+              </a:ext>
+            </a:extLst>
+          </p:cNvPr>
+          <p:cNvCxnSpPr>
+            <a:cxnSpLocks/>
+            <a:stCxn id="12" idx="7"/>
+            <a:endCxn id="20" idx="1"/>
+          </p:cNvCxnSpPr>
+          <p:nvPr/>
+        </p:nvCxnSpPr>
+        <p:spPr>
+          <a:xfrm rot="16200000" flipH="1">
+            <a:off x="6947806" y="1201507"/>
+            <a:ext cx="3075" cy="1774346"/>
+          </a:xfrm>
+          <a:prstGeom prst="curvedConnector3">
+            <a:avLst>
+              <a:gd name="adj1" fmla="val -12222569"/>
+            </a:avLst>
+          </a:prstGeom>
+          <a:ln w="38100">
+            <a:solidFill>
+              <a:schemeClr val="tx2"/>
+            </a:solidFill>
+            <a:tailEnd type="triangle"/>
+          </a:ln>
+        </p:spPr>
+        <p:style>
+          <a:lnRef idx="1">
+            <a:schemeClr val="accent1"/>
+          </a:lnRef>
+          <a:fillRef idx="0">
+            <a:schemeClr val="accent1"/>
+          </a:fillRef>
+          <a:effectRef idx="0">
+            <a:schemeClr val="accent1"/>
+          </a:effectRef>
+          <a:fontRef idx="minor">
+            <a:schemeClr val="tx1"/>
+          </a:fontRef>
+        </p:style>
+      </p:cxnSp>
+      <p:sp>
+        <p:nvSpPr>
+          <p:cNvPr id="83" name="Hexagon 82">
+            <a:extLst>
+              <a:ext uri="{FF2B5EF4-FFF2-40B4-BE49-F238E27FC236}">
+                <a16:creationId xmlns:a16="http://schemas.microsoft.com/office/drawing/2014/main" id="{410043E0-A8B2-B210-634C-17FBA15595A7}"/>
+              </a:ext>
+            </a:extLst>
+          </p:cNvPr>
+          <p:cNvSpPr/>
+          <p:nvPr/>
+        </p:nvSpPr>
+        <p:spPr>
+          <a:xfrm>
+            <a:off x="456548" y="5035459"/>
+            <a:ext cx="1005444" cy="866762"/>
+          </a:xfrm>
+          <a:prstGeom prst="hexagon">
+            <a:avLst/>
+          </a:prstGeom>
+          <a:solidFill>
+            <a:schemeClr val="bg1">
+              <a:lumMod val="95000"/>
+            </a:schemeClr>
+          </a:solidFill>
+          <a:ln w="38100">
+            <a:solidFill>
+              <a:srgbClr val="FF0000"/>
+            </a:solidFill>
+          </a:ln>
+        </p:spPr>
+        <p:style>
+          <a:lnRef idx="2">
+            <a:schemeClr val="accent1">
+              <a:shade val="50000"/>
+            </a:schemeClr>
+          </a:lnRef>
+          <a:fillRef idx="1">
+            <a:schemeClr val="accent1"/>
+          </a:fillRef>
+          <a:effectRef idx="0">
+            <a:schemeClr val="accent1"/>
+          </a:effectRef>
+          <a:fontRef idx="minor">
+            <a:schemeClr val="lt1"/>
+          </a:fontRef>
+        </p:style>
+        <p:txBody>
+          <a:bodyPr lIns="0" rIns="0" rtlCol="0" anchor="ctr"/>
+          <a:lstStyle/>
+          <a:p>
+            <a:pPr algn="ctr"/>
+            <a:r>
+              <a:rPr lang="en-NZ" sz="900" dirty="0">
+                <a:solidFill>
+                  <a:schemeClr val="tx1"/>
+                </a:solidFill>
+              </a:rPr>
+              <a:t>Apathetic about applicability to their context</a:t>
+            </a:r>
+          </a:p>
+        </p:txBody>
+      </p:sp>
+      <p:sp>
+        <p:nvSpPr>
+          <p:cNvPr id="84" name="Hexagon 83">
+            <a:extLst>
+              <a:ext uri="{FF2B5EF4-FFF2-40B4-BE49-F238E27FC236}">
+                <a16:creationId xmlns:a16="http://schemas.microsoft.com/office/drawing/2014/main" id="{98469293-A623-1F17-16F0-E782421D0094}"/>
+              </a:ext>
+            </a:extLst>
+          </p:cNvPr>
+          <p:cNvSpPr/>
+          <p:nvPr/>
+        </p:nvSpPr>
+        <p:spPr>
+          <a:xfrm>
+            <a:off x="1698955" y="5035459"/>
+            <a:ext cx="1005444" cy="866762"/>
+          </a:xfrm>
+          <a:prstGeom prst="hexagon">
+            <a:avLst/>
+          </a:prstGeom>
+          <a:solidFill>
+            <a:schemeClr val="bg1">
+              <a:lumMod val="95000"/>
+            </a:schemeClr>
+          </a:solidFill>
+          <a:ln w="38100">
+            <a:solidFill>
+              <a:srgbClr val="FF0000"/>
+            </a:solidFill>
+          </a:ln>
+        </p:spPr>
+        <p:style>
+          <a:lnRef idx="2">
+            <a:schemeClr val="accent1">
+              <a:shade val="50000"/>
+            </a:schemeClr>
+          </a:lnRef>
+          <a:fillRef idx="1">
+            <a:schemeClr val="accent1"/>
+          </a:fillRef>
+          <a:effectRef idx="0">
+            <a:schemeClr val="accent1"/>
+          </a:effectRef>
+          <a:fontRef idx="minor">
+            <a:schemeClr val="lt1"/>
+          </a:fontRef>
+        </p:style>
+        <p:txBody>
+          <a:bodyPr lIns="0" rIns="0" rtlCol="0" anchor="ctr"/>
+          <a:lstStyle/>
+          <a:p>
+            <a:pPr algn="ctr"/>
+            <a:r>
+              <a:rPr lang="en-NZ" sz="900" dirty="0">
+                <a:solidFill>
+                  <a:schemeClr val="tx1"/>
+                </a:solidFill>
+              </a:rPr>
+              <a:t>Cannot get started/lack of suitable use-case</a:t>
+            </a:r>
+          </a:p>
+        </p:txBody>
+      </p:sp>
+      <p:cxnSp>
+        <p:nvCxnSpPr>
+          <p:cNvPr id="86" name="Straight Arrow Connector 85">
+            <a:extLst>
+              <a:ext uri="{FF2B5EF4-FFF2-40B4-BE49-F238E27FC236}">
+                <a16:creationId xmlns:a16="http://schemas.microsoft.com/office/drawing/2014/main" id="{25919344-DF53-BEBC-9603-5FFD15DFFA7D}"/>
+              </a:ext>
+            </a:extLst>
+          </p:cNvPr>
+          <p:cNvCxnSpPr>
+            <a:cxnSpLocks/>
+            <a:stCxn id="22" idx="4"/>
+            <a:endCxn id="83" idx="4"/>
+          </p:cNvCxnSpPr>
+          <p:nvPr/>
+        </p:nvCxnSpPr>
+        <p:spPr>
+          <a:xfrm flipH="1">
+            <a:off x="673239" y="4813052"/>
+            <a:ext cx="42826" cy="222407"/>
+          </a:xfrm>
+          <a:prstGeom prst="straightConnector1">
+            <a:avLst/>
+          </a:prstGeom>
+          <a:ln w="38100">
+            <a:solidFill>
+              <a:schemeClr val="tx2"/>
+            </a:solidFill>
+            <a:tailEnd type="triangle"/>
+          </a:ln>
+        </p:spPr>
+        <p:style>
+          <a:lnRef idx="1">
+            <a:schemeClr val="accent1"/>
+          </a:lnRef>
+          <a:fillRef idx="0">
+            <a:schemeClr val="accent1"/>
+          </a:fillRef>
+          <a:effectRef idx="0">
+            <a:schemeClr val="accent1"/>
+          </a:effectRef>
+          <a:fontRef idx="minor">
+            <a:schemeClr val="tx1"/>
+          </a:fontRef>
+        </p:style>
+      </p:cxnSp>
+      <p:cxnSp>
+        <p:nvCxnSpPr>
+          <p:cNvPr id="89" name="Straight Arrow Connector 88">
+            <a:extLst>
+              <a:ext uri="{FF2B5EF4-FFF2-40B4-BE49-F238E27FC236}">
+                <a16:creationId xmlns:a16="http://schemas.microsoft.com/office/drawing/2014/main" id="{46CCA3F8-A7A2-706A-F6EC-6EC965B81058}"/>
+              </a:ext>
+            </a:extLst>
+          </p:cNvPr>
+          <p:cNvCxnSpPr>
+            <a:cxnSpLocks/>
+            <a:stCxn id="27" idx="4"/>
+            <a:endCxn id="84" idx="4"/>
+          </p:cNvCxnSpPr>
+          <p:nvPr/>
+        </p:nvCxnSpPr>
+        <p:spPr>
+          <a:xfrm flipH="1">
+            <a:off x="1915646" y="4815656"/>
+            <a:ext cx="51699" cy="219803"/>
+          </a:xfrm>
+          <a:prstGeom prst="straightConnector1">
+            <a:avLst/>
+          </a:prstGeom>
+          <a:ln w="38100">
+            <a:solidFill>
+              <a:schemeClr val="tx2"/>
+            </a:solidFill>
+            <a:tailEnd type="triangle"/>
+          </a:ln>
+        </p:spPr>
+        <p:style>
+          <a:lnRef idx="1">
+            <a:schemeClr val="accent1"/>
+          </a:lnRef>
+          <a:fillRef idx="0">
+            <a:schemeClr val="accent1"/>
+          </a:fillRef>
+          <a:effectRef idx="0">
+            <a:schemeClr val="accent1"/>
+          </a:effectRef>
+          <a:fontRef idx="minor">
+            <a:schemeClr val="tx1"/>
+          </a:fontRef>
+        </p:style>
+      </p:cxnSp>
+      <p:sp>
+        <p:nvSpPr>
+          <p:cNvPr id="96" name="Hexagon 95">
+            <a:extLst>
+              <a:ext uri="{FF2B5EF4-FFF2-40B4-BE49-F238E27FC236}">
+                <a16:creationId xmlns:a16="http://schemas.microsoft.com/office/drawing/2014/main" id="{395FD1A6-ED1B-2A87-7A3C-9AB4A222CDC4}"/>
+              </a:ext>
+            </a:extLst>
+          </p:cNvPr>
+          <p:cNvSpPr/>
+          <p:nvPr/>
+        </p:nvSpPr>
+        <p:spPr>
+          <a:xfrm>
+            <a:off x="1895694" y="764840"/>
+            <a:ext cx="1005444" cy="866762"/>
+          </a:xfrm>
+          <a:prstGeom prst="hexagon">
+            <a:avLst/>
+          </a:prstGeom>
+          <a:solidFill>
+            <a:schemeClr val="bg1">
+              <a:lumMod val="95000"/>
+            </a:schemeClr>
+          </a:solidFill>
+          <a:ln w="38100">
+            <a:solidFill>
+              <a:srgbClr val="FF0000"/>
+            </a:solidFill>
+          </a:ln>
+        </p:spPr>
+        <p:style>
+          <a:lnRef idx="2">
+            <a:schemeClr val="accent1">
+              <a:shade val="50000"/>
+            </a:schemeClr>
+          </a:lnRef>
+          <a:fillRef idx="1">
+            <a:schemeClr val="accent1"/>
+          </a:fillRef>
+          <a:effectRef idx="0">
+            <a:schemeClr val="accent1"/>
+          </a:effectRef>
+          <a:fontRef idx="minor">
+            <a:schemeClr val="lt1"/>
+          </a:fontRef>
+        </p:style>
+        <p:txBody>
+          <a:bodyPr lIns="0" rIns="0" rtlCol="0" anchor="ctr">
+            <a:noAutofit/>
+          </a:bodyPr>
+          <a:lstStyle/>
+          <a:p>
+            <a:pPr algn="ctr"/>
+            <a:r>
+              <a:rPr lang="en-NZ" sz="900" dirty="0">
+                <a:solidFill>
+                  <a:schemeClr val="tx1"/>
+                </a:solidFill>
+              </a:rPr>
+              <a:t>Apathetic about effectiveness on their codebase</a:t>
+            </a:r>
+          </a:p>
+        </p:txBody>
+      </p:sp>
+      <p:cxnSp>
+        <p:nvCxnSpPr>
+          <p:cNvPr id="97" name="Straight Arrow Connector 96">
+            <a:extLst>
+              <a:ext uri="{FF2B5EF4-FFF2-40B4-BE49-F238E27FC236}">
+                <a16:creationId xmlns:a16="http://schemas.microsoft.com/office/drawing/2014/main" id="{53217B73-7B8D-AC6A-80E6-38B1710A004E}"/>
+              </a:ext>
+            </a:extLst>
+          </p:cNvPr>
+          <p:cNvCxnSpPr>
+            <a:cxnSpLocks/>
+            <a:stCxn id="10" idx="0"/>
+            <a:endCxn id="96" idx="2"/>
+          </p:cNvCxnSpPr>
+          <p:nvPr/>
+        </p:nvCxnSpPr>
+        <p:spPr>
+          <a:xfrm flipV="1">
+            <a:off x="1967345" y="1631602"/>
+            <a:ext cx="145040" cy="284284"/>
+          </a:xfrm>
+          <a:prstGeom prst="straightConnector1">
+            <a:avLst/>
+          </a:prstGeom>
+          <a:ln w="38100">
+            <a:solidFill>
+              <a:schemeClr val="tx2"/>
+            </a:solidFill>
+            <a:tailEnd type="triangle"/>
+          </a:ln>
+        </p:spPr>
+        <p:style>
+          <a:lnRef idx="1">
+            <a:schemeClr val="accent1"/>
+          </a:lnRef>
+          <a:fillRef idx="0">
+            <a:schemeClr val="accent1"/>
+          </a:fillRef>
+          <a:effectRef idx="0">
+            <a:schemeClr val="accent1"/>
+          </a:effectRef>
+          <a:fontRef idx="minor">
+            <a:schemeClr val="tx1"/>
+          </a:fontRef>
+        </p:style>
+      </p:cxnSp>
+      <p:sp>
+        <p:nvSpPr>
+          <p:cNvPr id="16" name="Hexagon 15">
+            <a:extLst>
+              <a:ext uri="{FF2B5EF4-FFF2-40B4-BE49-F238E27FC236}">
+                <a16:creationId xmlns:a16="http://schemas.microsoft.com/office/drawing/2014/main" id="{50B56A0C-86BB-27B2-169E-C88B7496237A}"/>
+              </a:ext>
+            </a:extLst>
+          </p:cNvPr>
+          <p:cNvSpPr/>
+          <p:nvPr/>
+        </p:nvSpPr>
+        <p:spPr>
+          <a:xfrm>
+            <a:off x="4164208" y="5035459"/>
+            <a:ext cx="1005444" cy="866762"/>
+          </a:xfrm>
+          <a:prstGeom prst="hexagon">
+            <a:avLst/>
+          </a:prstGeom>
+          <a:solidFill>
+            <a:schemeClr val="bg1">
+              <a:lumMod val="95000"/>
+            </a:schemeClr>
+          </a:solidFill>
+          <a:ln w="38100">
+            <a:solidFill>
+              <a:srgbClr val="FF0000"/>
+            </a:solidFill>
+          </a:ln>
+        </p:spPr>
+        <p:style>
+          <a:lnRef idx="2">
+            <a:schemeClr val="accent1">
+              <a:shade val="50000"/>
+            </a:schemeClr>
+          </a:lnRef>
+          <a:fillRef idx="1">
+            <a:schemeClr val="accent1"/>
+          </a:fillRef>
+          <a:effectRef idx="0">
+            <a:schemeClr val="accent1"/>
+          </a:effectRef>
+          <a:fontRef idx="minor">
+            <a:schemeClr val="lt1"/>
+          </a:fontRef>
+        </p:style>
+        <p:txBody>
+          <a:bodyPr lIns="0" rIns="0" rtlCol="0" anchor="ctr"/>
+          <a:lstStyle/>
+          <a:p>
+            <a:pPr algn="ctr"/>
+            <a:r>
+              <a:rPr lang="en-NZ" sz="900" dirty="0">
+                <a:solidFill>
+                  <a:schemeClr val="tx1"/>
+                </a:solidFill>
+              </a:rPr>
+              <a:t>Bad experience creating it</a:t>
+            </a:r>
+          </a:p>
+        </p:txBody>
+      </p:sp>
+      <p:cxnSp>
+        <p:nvCxnSpPr>
+          <p:cNvPr id="17" name="Straight Arrow Connector 16">
+            <a:extLst>
+              <a:ext uri="{FF2B5EF4-FFF2-40B4-BE49-F238E27FC236}">
+                <a16:creationId xmlns:a16="http://schemas.microsoft.com/office/drawing/2014/main" id="{36072E57-685B-2503-27D3-0ECD2AE0E29C}"/>
+              </a:ext>
+            </a:extLst>
+          </p:cNvPr>
+          <p:cNvCxnSpPr>
+            <a:cxnSpLocks/>
+            <a:stCxn id="28" idx="4"/>
+            <a:endCxn id="16" idx="4"/>
+          </p:cNvCxnSpPr>
+          <p:nvPr/>
+        </p:nvCxnSpPr>
+        <p:spPr>
+          <a:xfrm flipH="1">
+            <a:off x="4380899" y="4813052"/>
+            <a:ext cx="76306" cy="222407"/>
+          </a:xfrm>
+          <a:prstGeom prst="straightConnector1">
+            <a:avLst/>
+          </a:prstGeom>
+          <a:ln w="38100">
+            <a:solidFill>
+              <a:schemeClr val="tx2"/>
+            </a:solidFill>
+            <a:tailEnd type="triangle"/>
+          </a:ln>
+        </p:spPr>
+        <p:style>
+          <a:lnRef idx="1">
+            <a:schemeClr val="accent1"/>
+          </a:lnRef>
+          <a:fillRef idx="0">
+            <a:schemeClr val="accent1"/>
+          </a:fillRef>
+          <a:effectRef idx="0">
+            <a:schemeClr val="accent1"/>
+          </a:effectRef>
+          <a:fontRef idx="minor">
+            <a:schemeClr val="tx1"/>
+          </a:fontRef>
+        </p:style>
+      </p:cxnSp>
+      <p:cxnSp>
+        <p:nvCxnSpPr>
+          <p:cNvPr id="47" name="Straight Arrow Connector 13">
+            <a:extLst>
+              <a:ext uri="{FF2B5EF4-FFF2-40B4-BE49-F238E27FC236}">
+                <a16:creationId xmlns:a16="http://schemas.microsoft.com/office/drawing/2014/main" id="{443640BF-8587-3012-755E-CDFACBE4A12B}"/>
+              </a:ext>
+            </a:extLst>
+          </p:cNvPr>
+          <p:cNvCxnSpPr>
+            <a:cxnSpLocks/>
+            <a:stCxn id="30" idx="3"/>
+            <a:endCxn id="29" idx="5"/>
+          </p:cNvCxnSpPr>
+          <p:nvPr/>
+        </p:nvCxnSpPr>
+        <p:spPr>
+          <a:xfrm rot="5400000">
+            <a:off x="6319203" y="4393792"/>
+            <a:ext cx="5698" cy="549730"/>
+          </a:xfrm>
+          <a:prstGeom prst="curvedConnector3">
+            <a:avLst>
+              <a:gd name="adj1" fmla="val 2741190"/>
+            </a:avLst>
+          </a:prstGeom>
+          <a:ln w="38100">
+            <a:solidFill>
+              <a:schemeClr val="tx2"/>
+            </a:solidFill>
+            <a:tailEnd type="triangle"/>
+          </a:ln>
+        </p:spPr>
+        <p:style>
+          <a:lnRef idx="1">
+            <a:schemeClr val="accent1"/>
+          </a:lnRef>
+          <a:fillRef idx="0">
+            <a:schemeClr val="accent1"/>
+          </a:fillRef>
+          <a:effectRef idx="0">
+            <a:schemeClr val="accent1"/>
+          </a:effectRef>
+          <a:fontRef idx="minor">
+            <a:schemeClr val="tx1"/>
+          </a:fontRef>
+        </p:style>
+      </p:cxnSp>
+      <p:grpSp>
+        <p:nvGrpSpPr>
+          <p:cNvPr id="59" name="Group 58">
+            <a:extLst>
+              <a:ext uri="{FF2B5EF4-FFF2-40B4-BE49-F238E27FC236}">
+                <a16:creationId xmlns:a16="http://schemas.microsoft.com/office/drawing/2014/main" id="{5A1FCDF3-27C5-931D-6911-11BE98D33B63}"/>
+              </a:ext>
+            </a:extLst>
+          </p:cNvPr>
+          <p:cNvGrpSpPr/>
+          <p:nvPr/>
+        </p:nvGrpSpPr>
+        <p:grpSpPr>
+          <a:xfrm>
+            <a:off x="922317" y="3106159"/>
+            <a:ext cx="1440060" cy="397455"/>
+            <a:chOff x="922317" y="2559501"/>
+            <a:chExt cx="1440060" cy="397455"/>
+          </a:xfrm>
+        </p:grpSpPr>
+        <p:sp>
+          <p:nvSpPr>
+            <p:cNvPr id="56" name="Oval 55">
+              <a:extLst>
+                <a:ext uri="{FF2B5EF4-FFF2-40B4-BE49-F238E27FC236}">
+                  <a16:creationId xmlns:a16="http://schemas.microsoft.com/office/drawing/2014/main" id="{EAEA80F2-488E-2B15-85D5-D8AA23C077E0}"/>
+                </a:ext>
+              </a:extLst>
+            </p:cNvPr>
+            <p:cNvSpPr/>
+            <p:nvPr/>
+          </p:nvSpPr>
+          <p:spPr>
+            <a:xfrm>
+              <a:off x="922317" y="2559501"/>
+              <a:ext cx="397455" cy="397455"/>
+            </a:xfrm>
+            <a:prstGeom prst="ellipse">
+              <a:avLst/>
+            </a:prstGeom>
+            <a:solidFill>
+              <a:schemeClr val="accent2">
+                <a:lumMod val="50000"/>
+              </a:schemeClr>
+            </a:solidFill>
+            <a:ln>
+              <a:solidFill>
+                <a:schemeClr val="accent2">
+                  <a:lumMod val="50000"/>
+                </a:schemeClr>
+              </a:solidFill>
+            </a:ln>
+          </p:spPr>
+          <p:style>
+            <a:lnRef idx="2">
+              <a:schemeClr val="accent1">
+                <a:shade val="50000"/>
+              </a:schemeClr>
+            </a:lnRef>
+            <a:fillRef idx="1">
+              <a:schemeClr val="accent1"/>
+            </a:fillRef>
+            <a:effectRef idx="0">
+              <a:schemeClr val="accent1"/>
+            </a:effectRef>
+            <a:fontRef idx="minor">
+              <a:schemeClr val="lt1"/>
+            </a:fontRef>
+          </p:style>
+          <p:txBody>
+            <a:bodyPr rtlCol="0" anchor="ctr"/>
+            <a:lstStyle/>
+            <a:p>
+              <a:pPr algn="ctr"/>
+              <a:endParaRPr lang="en-NZ"/>
+            </a:p>
+          </p:txBody>
+        </p:sp>
+        <p:sp>
+          <p:nvSpPr>
+            <p:cNvPr id="57" name="TextBox 56">
+              <a:extLst>
+                <a:ext uri="{FF2B5EF4-FFF2-40B4-BE49-F238E27FC236}">
+                  <a16:creationId xmlns:a16="http://schemas.microsoft.com/office/drawing/2014/main" id="{A85E8AB6-F6A0-32BB-6560-B90ACDA633E0}"/>
+                </a:ext>
+              </a:extLst>
+            </p:cNvPr>
+            <p:cNvSpPr txBox="1"/>
+            <p:nvPr/>
+          </p:nvSpPr>
+          <p:spPr>
+            <a:xfrm>
+              <a:off x="1272848" y="2579018"/>
+              <a:ext cx="1089529" cy="369332"/>
+            </a:xfrm>
+            <a:prstGeom prst="rect">
+              <a:avLst/>
+            </a:prstGeom>
+            <a:noFill/>
+          </p:spPr>
+          <p:txBody>
+            <a:bodyPr wrap="none" rtlCol="0">
+              <a:spAutoFit/>
+            </a:bodyPr>
+            <a:lstStyle/>
+            <a:p>
+              <a:r>
+                <a:rPr lang="en-NZ" dirty="0"/>
+                <a:t>Discovery</a:t>
+              </a:r>
+            </a:p>
+          </p:txBody>
+        </p:sp>
+      </p:grpSp>
+      <p:cxnSp>
+        <p:nvCxnSpPr>
+          <p:cNvPr id="62" name="Straight Connector 61">
+            <a:extLst>
+              <a:ext uri="{FF2B5EF4-FFF2-40B4-BE49-F238E27FC236}">
+                <a16:creationId xmlns:a16="http://schemas.microsoft.com/office/drawing/2014/main" id="{715D3580-53EB-D207-C4D1-9484C16B644D}"/>
+              </a:ext>
+            </a:extLst>
+          </p:cNvPr>
+          <p:cNvCxnSpPr>
+            <a:stCxn id="56" idx="3"/>
+            <a:endCxn id="22" idx="0"/>
+          </p:cNvCxnSpPr>
+          <p:nvPr/>
+        </p:nvCxnSpPr>
+        <p:spPr>
+          <a:xfrm flipH="1">
+            <a:off x="716065" y="3445408"/>
+            <a:ext cx="264458" cy="362200"/>
+          </a:xfrm>
+          <a:prstGeom prst="line">
+            <a:avLst/>
+          </a:prstGeom>
+          <a:ln w="38100">
+            <a:solidFill>
+              <a:schemeClr val="accent2">
+                <a:lumMod val="50000"/>
+              </a:schemeClr>
+            </a:solidFill>
+          </a:ln>
+        </p:spPr>
+        <p:style>
+          <a:lnRef idx="1">
+            <a:schemeClr val="accent1"/>
+          </a:lnRef>
+          <a:fillRef idx="0">
+            <a:schemeClr val="accent1"/>
+          </a:fillRef>
+          <a:effectRef idx="0">
+            <a:schemeClr val="accent1"/>
+          </a:effectRef>
+          <a:fontRef idx="minor">
+            <a:schemeClr val="tx1"/>
+          </a:fontRef>
+        </p:style>
+      </p:cxnSp>
+      <p:cxnSp>
+        <p:nvCxnSpPr>
+          <p:cNvPr id="63" name="Straight Connector 62">
+            <a:extLst>
+              <a:ext uri="{FF2B5EF4-FFF2-40B4-BE49-F238E27FC236}">
+                <a16:creationId xmlns:a16="http://schemas.microsoft.com/office/drawing/2014/main" id="{04813B4E-431B-C5AC-97D3-48FA74301FC4}"/>
+              </a:ext>
+            </a:extLst>
+          </p:cNvPr>
+          <p:cNvCxnSpPr>
+            <a:cxnSpLocks/>
+            <a:stCxn id="10" idx="3"/>
+            <a:endCxn id="56" idx="7"/>
+          </p:cNvCxnSpPr>
+          <p:nvPr/>
+        </p:nvCxnSpPr>
+        <p:spPr>
+          <a:xfrm flipH="1">
+            <a:off x="1261566" y="2774086"/>
+            <a:ext cx="350301" cy="390279"/>
+          </a:xfrm>
+          <a:prstGeom prst="line">
+            <a:avLst/>
+          </a:prstGeom>
+          <a:ln w="38100">
+            <a:solidFill>
+              <a:schemeClr val="accent2">
+                <a:lumMod val="50000"/>
+              </a:schemeClr>
+            </a:solidFill>
+          </a:ln>
+        </p:spPr>
+        <p:style>
+          <a:lnRef idx="1">
+            <a:schemeClr val="accent1"/>
+          </a:lnRef>
+          <a:fillRef idx="0">
+            <a:schemeClr val="accent1"/>
+          </a:fillRef>
+          <a:effectRef idx="0">
+            <a:schemeClr val="accent1"/>
+          </a:effectRef>
+          <a:fontRef idx="minor">
+            <a:schemeClr val="tx1"/>
+          </a:fontRef>
+        </p:style>
+      </p:cxnSp>
+      <p:grpSp>
+        <p:nvGrpSpPr>
+          <p:cNvPr id="68" name="Group 67">
+            <a:extLst>
+              <a:ext uri="{FF2B5EF4-FFF2-40B4-BE49-F238E27FC236}">
+                <a16:creationId xmlns:a16="http://schemas.microsoft.com/office/drawing/2014/main" id="{D72605B7-5507-E262-349D-5E5DE826BC51}"/>
+              </a:ext>
+            </a:extLst>
+          </p:cNvPr>
+          <p:cNvGrpSpPr/>
+          <p:nvPr/>
+        </p:nvGrpSpPr>
+        <p:grpSpPr>
+          <a:xfrm>
+            <a:off x="4168948" y="3179781"/>
+            <a:ext cx="1581958" cy="397455"/>
+            <a:chOff x="922317" y="2559501"/>
+            <a:chExt cx="1581958" cy="397455"/>
+          </a:xfrm>
+        </p:grpSpPr>
+        <p:sp>
+          <p:nvSpPr>
+            <p:cNvPr id="69" name="Oval 68">
+              <a:extLst>
+                <a:ext uri="{FF2B5EF4-FFF2-40B4-BE49-F238E27FC236}">
+                  <a16:creationId xmlns:a16="http://schemas.microsoft.com/office/drawing/2014/main" id="{F67B8691-B00C-4835-1508-496025E14A73}"/>
+                </a:ext>
+              </a:extLst>
+            </p:cNvPr>
+            <p:cNvSpPr/>
+            <p:nvPr/>
+          </p:nvSpPr>
+          <p:spPr>
+            <a:xfrm>
+              <a:off x="922317" y="2559501"/>
+              <a:ext cx="397455" cy="397455"/>
+            </a:xfrm>
+            <a:prstGeom prst="ellipse">
+              <a:avLst/>
+            </a:prstGeom>
+            <a:solidFill>
+              <a:schemeClr val="accent2">
+                <a:lumMod val="75000"/>
+              </a:schemeClr>
+            </a:solidFill>
+            <a:ln>
+              <a:solidFill>
+                <a:schemeClr val="accent2">
+                  <a:lumMod val="75000"/>
+                </a:schemeClr>
+              </a:solidFill>
+            </a:ln>
+          </p:spPr>
+          <p:style>
+            <a:lnRef idx="2">
+              <a:schemeClr val="accent1">
+                <a:shade val="50000"/>
+              </a:schemeClr>
+            </a:lnRef>
+            <a:fillRef idx="1">
+              <a:schemeClr val="accent1"/>
+            </a:fillRef>
+            <a:effectRef idx="0">
+              <a:schemeClr val="accent1"/>
+            </a:effectRef>
+            <a:fontRef idx="minor">
+              <a:schemeClr val="lt1"/>
+            </a:fontRef>
+          </p:style>
+          <p:txBody>
+            <a:bodyPr rtlCol="0" anchor="ctr"/>
+            <a:lstStyle/>
+            <a:p>
+              <a:pPr algn="ctr"/>
+              <a:endParaRPr lang="en-NZ"/>
+            </a:p>
+          </p:txBody>
+        </p:sp>
+        <p:sp>
+          <p:nvSpPr>
+            <p:cNvPr id="71" name="TextBox 70">
+              <a:extLst>
+                <a:ext uri="{FF2B5EF4-FFF2-40B4-BE49-F238E27FC236}">
+                  <a16:creationId xmlns:a16="http://schemas.microsoft.com/office/drawing/2014/main" id="{9A4F3507-2206-8316-4483-AD2ADDF66254}"/>
+                </a:ext>
+              </a:extLst>
+            </p:cNvPr>
+            <p:cNvSpPr txBox="1"/>
+            <p:nvPr/>
+          </p:nvSpPr>
+          <p:spPr>
+            <a:xfrm>
+              <a:off x="1272848" y="2579018"/>
+              <a:ext cx="1231427" cy="369332"/>
+            </a:xfrm>
+            <a:prstGeom prst="rect">
+              <a:avLst/>
+            </a:prstGeom>
+            <a:noFill/>
+          </p:spPr>
+          <p:txBody>
+            <a:bodyPr wrap="none" rtlCol="0">
+              <a:spAutoFit/>
+            </a:bodyPr>
+            <a:lstStyle/>
+            <a:p>
+              <a:r>
+                <a:rPr lang="en-NZ" dirty="0"/>
+                <a:t>Consuming</a:t>
+              </a:r>
+            </a:p>
+          </p:txBody>
+        </p:sp>
+      </p:grpSp>
+      <p:cxnSp>
+        <p:nvCxnSpPr>
+          <p:cNvPr id="72" name="Straight Connector 71">
+            <a:extLst>
+              <a:ext uri="{FF2B5EF4-FFF2-40B4-BE49-F238E27FC236}">
+                <a16:creationId xmlns:a16="http://schemas.microsoft.com/office/drawing/2014/main" id="{8315DCF2-15B2-28E7-B359-A61AA42DC8CD}"/>
+              </a:ext>
+            </a:extLst>
+          </p:cNvPr>
+          <p:cNvCxnSpPr>
+            <a:cxnSpLocks/>
+            <a:stCxn id="11" idx="4"/>
+            <a:endCxn id="69" idx="0"/>
+          </p:cNvCxnSpPr>
+          <p:nvPr/>
+        </p:nvCxnSpPr>
+        <p:spPr>
+          <a:xfrm flipH="1">
+            <a:off x="4367676" y="2945343"/>
+            <a:ext cx="94087" cy="234438"/>
+          </a:xfrm>
+          <a:prstGeom prst="line">
+            <a:avLst/>
+          </a:prstGeom>
+          <a:ln w="38100">
+            <a:solidFill>
+              <a:schemeClr val="accent2">
+                <a:lumMod val="75000"/>
+              </a:schemeClr>
+            </a:solidFill>
+          </a:ln>
+        </p:spPr>
+        <p:style>
+          <a:lnRef idx="1">
+            <a:schemeClr val="accent1"/>
+          </a:lnRef>
+          <a:fillRef idx="0">
+            <a:schemeClr val="accent1"/>
+          </a:fillRef>
+          <a:effectRef idx="0">
+            <a:schemeClr val="accent1"/>
+          </a:effectRef>
+          <a:fontRef idx="minor">
+            <a:schemeClr val="tx1"/>
+          </a:fontRef>
+        </p:style>
+      </p:cxnSp>
+      <p:cxnSp>
+        <p:nvCxnSpPr>
+          <p:cNvPr id="77" name="Straight Connector 76">
+            <a:extLst>
+              <a:ext uri="{FF2B5EF4-FFF2-40B4-BE49-F238E27FC236}">
+                <a16:creationId xmlns:a16="http://schemas.microsoft.com/office/drawing/2014/main" id="{975C1435-4E37-A832-BE70-CAA0C1D695C2}"/>
+              </a:ext>
+            </a:extLst>
+          </p:cNvPr>
+          <p:cNvCxnSpPr>
+            <a:cxnSpLocks/>
+            <a:stCxn id="69" idx="4"/>
+            <a:endCxn id="28" idx="0"/>
+          </p:cNvCxnSpPr>
+          <p:nvPr/>
+        </p:nvCxnSpPr>
+        <p:spPr>
+          <a:xfrm>
+            <a:off x="4367676" y="3577236"/>
+            <a:ext cx="89529" cy="230372"/>
+          </a:xfrm>
+          <a:prstGeom prst="line">
+            <a:avLst/>
+          </a:prstGeom>
+          <a:ln w="38100">
+            <a:solidFill>
+              <a:schemeClr val="accent2">
+                <a:lumMod val="75000"/>
+              </a:schemeClr>
+            </a:solidFill>
+          </a:ln>
+        </p:spPr>
+        <p:style>
+          <a:lnRef idx="1">
+            <a:schemeClr val="accent1"/>
+          </a:lnRef>
+          <a:fillRef idx="0">
+            <a:schemeClr val="accent1"/>
+          </a:fillRef>
+          <a:effectRef idx="0">
+            <a:schemeClr val="accent1"/>
+          </a:effectRef>
+          <a:fontRef idx="minor">
+            <a:schemeClr val="tx1"/>
+          </a:fontRef>
+        </p:style>
+      </p:cxnSp>
+      <p:grpSp>
+        <p:nvGrpSpPr>
+          <p:cNvPr id="87" name="Group 86">
+            <a:extLst>
+              <a:ext uri="{FF2B5EF4-FFF2-40B4-BE49-F238E27FC236}">
+                <a16:creationId xmlns:a16="http://schemas.microsoft.com/office/drawing/2014/main" id="{74D40DC2-0EC8-A074-F8E9-5833EB196DAA}"/>
+              </a:ext>
+            </a:extLst>
+          </p:cNvPr>
+          <p:cNvGrpSpPr/>
+          <p:nvPr/>
+        </p:nvGrpSpPr>
+        <p:grpSpPr>
+          <a:xfrm>
+            <a:off x="9521160" y="3248195"/>
+            <a:ext cx="2442257" cy="397455"/>
+            <a:chOff x="922317" y="2559501"/>
+            <a:chExt cx="2442257" cy="397455"/>
+          </a:xfrm>
+        </p:grpSpPr>
+        <p:sp>
+          <p:nvSpPr>
+            <p:cNvPr id="88" name="Oval 87">
+              <a:extLst>
+                <a:ext uri="{FF2B5EF4-FFF2-40B4-BE49-F238E27FC236}">
+                  <a16:creationId xmlns:a16="http://schemas.microsoft.com/office/drawing/2014/main" id="{BDAEED2B-1185-DB5D-B071-A989C4E04344}"/>
+                </a:ext>
+              </a:extLst>
+            </p:cNvPr>
+            <p:cNvSpPr/>
+            <p:nvPr/>
+          </p:nvSpPr>
+          <p:spPr>
+            <a:xfrm>
+              <a:off x="922317" y="2559501"/>
+              <a:ext cx="397455" cy="397455"/>
+            </a:xfrm>
+            <a:prstGeom prst="ellipse">
+              <a:avLst/>
+            </a:prstGeom>
+            <a:solidFill>
+              <a:schemeClr val="accent6">
+                <a:lumMod val="75000"/>
+              </a:schemeClr>
+            </a:solidFill>
+            <a:ln>
+              <a:solidFill>
+                <a:schemeClr val="accent6">
+                  <a:lumMod val="75000"/>
+                </a:schemeClr>
+              </a:solidFill>
+            </a:ln>
+          </p:spPr>
+          <p:style>
+            <a:lnRef idx="2">
+              <a:schemeClr val="accent1">
+                <a:shade val="50000"/>
+              </a:schemeClr>
+            </a:lnRef>
+            <a:fillRef idx="1">
+              <a:schemeClr val="accent1"/>
+            </a:fillRef>
+            <a:effectRef idx="0">
+              <a:schemeClr val="accent1"/>
+            </a:effectRef>
+            <a:fontRef idx="minor">
+              <a:schemeClr val="lt1"/>
+            </a:fontRef>
+          </p:style>
+          <p:txBody>
+            <a:bodyPr rtlCol="0" anchor="ctr"/>
+            <a:lstStyle/>
+            <a:p>
+              <a:pPr algn="ctr"/>
+              <a:endParaRPr lang="en-NZ"/>
+            </a:p>
+          </p:txBody>
+        </p:sp>
+        <p:sp>
+          <p:nvSpPr>
+            <p:cNvPr id="90" name="TextBox 89">
+              <a:extLst>
+                <a:ext uri="{FF2B5EF4-FFF2-40B4-BE49-F238E27FC236}">
+                  <a16:creationId xmlns:a16="http://schemas.microsoft.com/office/drawing/2014/main" id="{515E9AF3-A6A1-9906-8FD5-EE05C3520D65}"/>
+                </a:ext>
+              </a:extLst>
+            </p:cNvPr>
+            <p:cNvSpPr txBox="1"/>
+            <p:nvPr/>
+          </p:nvSpPr>
+          <p:spPr>
+            <a:xfrm>
+              <a:off x="1272848" y="2579018"/>
+              <a:ext cx="2091726" cy="369332"/>
+            </a:xfrm>
+            <a:prstGeom prst="rect">
+              <a:avLst/>
+            </a:prstGeom>
+            <a:noFill/>
+          </p:spPr>
+          <p:txBody>
+            <a:bodyPr wrap="none" rtlCol="0">
+              <a:spAutoFit/>
+            </a:bodyPr>
+            <a:lstStyle/>
+            <a:p>
+              <a:r>
+                <a:rPr lang="en-NZ" dirty="0"/>
+                <a:t>Producing &amp; Sharing</a:t>
+              </a:r>
+            </a:p>
+          </p:txBody>
+        </p:sp>
+      </p:grpSp>
+      <p:cxnSp>
+        <p:nvCxnSpPr>
+          <p:cNvPr id="94" name="Straight Connector 93">
+            <a:extLst>
+              <a:ext uri="{FF2B5EF4-FFF2-40B4-BE49-F238E27FC236}">
+                <a16:creationId xmlns:a16="http://schemas.microsoft.com/office/drawing/2014/main" id="{8D765327-4B5F-E9FE-82BC-CDB6BC0CCB8E}"/>
+              </a:ext>
+            </a:extLst>
+          </p:cNvPr>
+          <p:cNvCxnSpPr>
+            <a:cxnSpLocks/>
+            <a:stCxn id="88" idx="3"/>
+            <a:endCxn id="39" idx="0"/>
+          </p:cNvCxnSpPr>
+          <p:nvPr/>
+        </p:nvCxnSpPr>
+        <p:spPr>
+          <a:xfrm flipH="1">
+            <a:off x="9443275" y="3587444"/>
+            <a:ext cx="136091" cy="213814"/>
+          </a:xfrm>
+          <a:prstGeom prst="line">
+            <a:avLst/>
+          </a:prstGeom>
+          <a:ln w="38100">
+            <a:solidFill>
+              <a:schemeClr val="accent6">
+                <a:lumMod val="75000"/>
+              </a:schemeClr>
+            </a:solidFill>
+          </a:ln>
+        </p:spPr>
+        <p:style>
+          <a:lnRef idx="1">
+            <a:schemeClr val="accent1"/>
+          </a:lnRef>
+          <a:fillRef idx="0">
+            <a:schemeClr val="accent1"/>
+          </a:fillRef>
+          <a:effectRef idx="0">
+            <a:schemeClr val="accent1"/>
+          </a:effectRef>
+          <a:fontRef idx="minor">
+            <a:schemeClr val="tx1"/>
+          </a:fontRef>
+        </p:style>
+      </p:cxnSp>
+      <p:cxnSp>
+        <p:nvCxnSpPr>
+          <p:cNvPr id="116" name="Straight Arrow Connector 115">
+            <a:extLst>
+              <a:ext uri="{FF2B5EF4-FFF2-40B4-BE49-F238E27FC236}">
+                <a16:creationId xmlns:a16="http://schemas.microsoft.com/office/drawing/2014/main" id="{B574DC5D-C0B3-45A6-897D-86D365E049F8}"/>
+              </a:ext>
+            </a:extLst>
+          </p:cNvPr>
+          <p:cNvCxnSpPr>
+            <a:cxnSpLocks/>
+            <a:stCxn id="10" idx="6"/>
+            <a:endCxn id="21" idx="1"/>
+          </p:cNvCxnSpPr>
+          <p:nvPr/>
+        </p:nvCxnSpPr>
+        <p:spPr>
+          <a:xfrm>
+            <a:off x="2470067" y="2418608"/>
+            <a:ext cx="397226" cy="627386"/>
+          </a:xfrm>
+          <a:prstGeom prst="straightConnector1">
+            <a:avLst/>
+          </a:prstGeom>
+          <a:ln w="38100">
+            <a:solidFill>
+              <a:schemeClr val="tx2"/>
+            </a:solidFill>
+            <a:tailEnd type="triangle"/>
+          </a:ln>
+        </p:spPr>
+        <p:style>
+          <a:lnRef idx="1">
+            <a:schemeClr val="accent1"/>
+          </a:lnRef>
+          <a:fillRef idx="0">
+            <a:schemeClr val="accent1"/>
+          </a:fillRef>
+          <a:effectRef idx="0">
+            <a:schemeClr val="accent1"/>
+          </a:effectRef>
+          <a:fontRef idx="minor">
+            <a:schemeClr val="tx1"/>
+          </a:fontRef>
+        </p:style>
+      </p:cxnSp>
+      <p:cxnSp>
+        <p:nvCxnSpPr>
+          <p:cNvPr id="119" name="Straight Arrow Connector 118">
+            <a:extLst>
+              <a:ext uri="{FF2B5EF4-FFF2-40B4-BE49-F238E27FC236}">
+                <a16:creationId xmlns:a16="http://schemas.microsoft.com/office/drawing/2014/main" id="{933F112A-E4E6-C01E-13BC-0A5D725E12B5}"/>
+              </a:ext>
+            </a:extLst>
+          </p:cNvPr>
+          <p:cNvCxnSpPr>
+            <a:cxnSpLocks/>
+            <a:stCxn id="21" idx="7"/>
+            <a:endCxn id="11" idx="2"/>
+          </p:cNvCxnSpPr>
+          <p:nvPr/>
+        </p:nvCxnSpPr>
+        <p:spPr>
+          <a:xfrm flipV="1">
+            <a:off x="3578249" y="2442621"/>
+            <a:ext cx="380792" cy="603373"/>
+          </a:xfrm>
+          <a:prstGeom prst="straightConnector1">
+            <a:avLst/>
+          </a:prstGeom>
+          <a:ln w="38100">
+            <a:solidFill>
+              <a:schemeClr val="tx2"/>
+            </a:solidFill>
+            <a:tailEnd type="triangle"/>
+          </a:ln>
+        </p:spPr>
+        <p:style>
+          <a:lnRef idx="1">
+            <a:schemeClr val="accent1"/>
+          </a:lnRef>
+          <a:fillRef idx="0">
+            <a:schemeClr val="accent1"/>
+          </a:fillRef>
+          <a:effectRef idx="0">
+            <a:schemeClr val="accent1"/>
+          </a:effectRef>
+          <a:fontRef idx="minor">
+            <a:schemeClr val="tx1"/>
+          </a:fontRef>
+        </p:style>
+      </p:cxnSp>
+      <p:cxnSp>
+        <p:nvCxnSpPr>
+          <p:cNvPr id="138" name="Straight Arrow Connector 137">
+            <a:extLst>
+              <a:ext uri="{FF2B5EF4-FFF2-40B4-BE49-F238E27FC236}">
+                <a16:creationId xmlns:a16="http://schemas.microsoft.com/office/drawing/2014/main" id="{979315BA-105D-C18B-58C2-E5591A1D121A}"/>
+              </a:ext>
+            </a:extLst>
+          </p:cNvPr>
+          <p:cNvCxnSpPr>
+            <a:cxnSpLocks/>
+            <a:stCxn id="12" idx="6"/>
+            <a:endCxn id="19" idx="2"/>
+          </p:cNvCxnSpPr>
+          <p:nvPr/>
+        </p:nvCxnSpPr>
+        <p:spPr>
+          <a:xfrm>
+            <a:off x="6209415" y="2442621"/>
+            <a:ext cx="234928" cy="3075"/>
+          </a:xfrm>
+          <a:prstGeom prst="curvedConnector3">
+            <a:avLst>
+              <a:gd name="adj1" fmla="val 50000"/>
+            </a:avLst>
+          </a:prstGeom>
+          <a:ln w="38100">
+            <a:solidFill>
+              <a:schemeClr val="tx2"/>
+            </a:solidFill>
+            <a:tailEnd type="triangle"/>
+          </a:ln>
+        </p:spPr>
+        <p:style>
+          <a:lnRef idx="1">
+            <a:schemeClr val="accent1"/>
+          </a:lnRef>
+          <a:fillRef idx="0">
+            <a:schemeClr val="accent1"/>
+          </a:fillRef>
+          <a:effectRef idx="0">
+            <a:schemeClr val="accent1"/>
+          </a:effectRef>
+          <a:fontRef idx="minor">
+            <a:schemeClr val="tx1"/>
+          </a:fontRef>
+        </p:style>
+      </p:cxnSp>
+      <p:cxnSp>
+        <p:nvCxnSpPr>
+          <p:cNvPr id="143" name="Straight Arrow Connector 13">
+            <a:extLst>
+              <a:ext uri="{FF2B5EF4-FFF2-40B4-BE49-F238E27FC236}">
+                <a16:creationId xmlns:a16="http://schemas.microsoft.com/office/drawing/2014/main" id="{ED36E040-1FA9-D8E1-4D71-D63EA751A904}"/>
+              </a:ext>
+            </a:extLst>
+          </p:cNvPr>
+          <p:cNvCxnSpPr>
+            <a:cxnSpLocks/>
+            <a:stCxn id="19" idx="4"/>
+            <a:endCxn id="30" idx="0"/>
+          </p:cNvCxnSpPr>
+          <p:nvPr/>
+        </p:nvCxnSpPr>
+        <p:spPr>
+          <a:xfrm rot="16200000" flipH="1">
+            <a:off x="6520135" y="3375348"/>
+            <a:ext cx="859190" cy="5330"/>
+          </a:xfrm>
+          <a:prstGeom prst="curvedConnector3">
+            <a:avLst>
+              <a:gd name="adj1" fmla="val 50000"/>
+            </a:avLst>
+          </a:prstGeom>
+          <a:ln w="38100">
+            <a:solidFill>
+              <a:schemeClr val="tx2"/>
+            </a:solidFill>
+            <a:tailEnd type="triangle"/>
+          </a:ln>
+        </p:spPr>
+        <p:style>
+          <a:lnRef idx="1">
+            <a:schemeClr val="accent1"/>
+          </a:lnRef>
+          <a:fillRef idx="0">
+            <a:schemeClr val="accent1"/>
+          </a:fillRef>
+          <a:effectRef idx="0">
+            <a:schemeClr val="accent1"/>
+          </a:effectRef>
+          <a:fontRef idx="minor">
+            <a:schemeClr val="tx1"/>
+          </a:fontRef>
+        </p:style>
+      </p:cxnSp>
+      <p:sp>
+        <p:nvSpPr>
+          <p:cNvPr id="169" name="Hexagon 168">
+            <a:extLst>
+              <a:ext uri="{FF2B5EF4-FFF2-40B4-BE49-F238E27FC236}">
+                <a16:creationId xmlns:a16="http://schemas.microsoft.com/office/drawing/2014/main" id="{5094FA2E-7052-0602-01D9-EB99CA9F0BE7}"/>
+              </a:ext>
+            </a:extLst>
+          </p:cNvPr>
+          <p:cNvSpPr/>
+          <p:nvPr/>
+        </p:nvSpPr>
+        <p:spPr>
+          <a:xfrm>
+            <a:off x="6934825" y="649863"/>
+            <a:ext cx="1005444" cy="866762"/>
+          </a:xfrm>
+          <a:prstGeom prst="hexagon">
+            <a:avLst/>
+          </a:prstGeom>
+          <a:solidFill>
+            <a:schemeClr val="bg1">
+              <a:lumMod val="95000"/>
+            </a:schemeClr>
+          </a:solidFill>
+          <a:ln w="38100">
+            <a:solidFill>
+              <a:srgbClr val="FF0000"/>
+            </a:solidFill>
+          </a:ln>
+        </p:spPr>
+        <p:style>
+          <a:lnRef idx="2">
+            <a:schemeClr val="accent1">
+              <a:shade val="50000"/>
+            </a:schemeClr>
+          </a:lnRef>
+          <a:fillRef idx="1">
+            <a:schemeClr val="accent1"/>
+          </a:fillRef>
+          <a:effectRef idx="0">
+            <a:schemeClr val="accent1"/>
+          </a:effectRef>
+          <a:fontRef idx="minor">
+            <a:schemeClr val="lt1"/>
+          </a:fontRef>
+        </p:style>
+        <p:txBody>
+          <a:bodyPr lIns="0" rIns="0" rtlCol="0" anchor="ctr"/>
+          <a:lstStyle/>
+          <a:p>
+            <a:pPr algn="ctr"/>
+            <a:r>
+              <a:rPr lang="en-NZ" sz="900" dirty="0">
+                <a:solidFill>
+                  <a:schemeClr val="tx1"/>
+                </a:solidFill>
+              </a:rPr>
+              <a:t>Bad experience modifying it</a:t>
+            </a:r>
+          </a:p>
+        </p:txBody>
+      </p:sp>
+      <p:cxnSp>
+        <p:nvCxnSpPr>
+          <p:cNvPr id="170" name="Straight Arrow Connector 169">
+            <a:extLst>
+              <a:ext uri="{FF2B5EF4-FFF2-40B4-BE49-F238E27FC236}">
+                <a16:creationId xmlns:a16="http://schemas.microsoft.com/office/drawing/2014/main" id="{5A50B076-F69E-F446-F421-DC75709C800B}"/>
+              </a:ext>
+            </a:extLst>
+          </p:cNvPr>
+          <p:cNvCxnSpPr>
+            <a:cxnSpLocks/>
+            <a:stCxn id="19" idx="0"/>
+            <a:endCxn id="169" idx="2"/>
+          </p:cNvCxnSpPr>
+          <p:nvPr/>
+        </p:nvCxnSpPr>
+        <p:spPr>
+          <a:xfrm flipV="1">
+            <a:off x="6947065" y="1516625"/>
+            <a:ext cx="204451" cy="426349"/>
+          </a:xfrm>
+          <a:prstGeom prst="straightConnector1">
+            <a:avLst/>
+          </a:prstGeom>
+          <a:ln w="38100">
+            <a:solidFill>
+              <a:schemeClr val="tx2"/>
+            </a:solidFill>
+            <a:tailEnd type="triangle"/>
+          </a:ln>
+        </p:spPr>
+        <p:style>
+          <a:lnRef idx="1">
+            <a:schemeClr val="accent1"/>
+          </a:lnRef>
+          <a:fillRef idx="0">
+            <a:schemeClr val="accent1"/>
+          </a:fillRef>
+          <a:effectRef idx="0">
+            <a:schemeClr val="accent1"/>
+          </a:effectRef>
+          <a:fontRef idx="minor">
+            <a:schemeClr val="tx1"/>
+          </a:fontRef>
+        </p:style>
+      </p:cxnSp>
+    </p:spTree>
+    <p:extLst>
+      <p:ext uri="{BB962C8B-B14F-4D97-AF65-F5344CB8AC3E}">
+        <p14:creationId xmlns:p14="http://schemas.microsoft.com/office/powerpoint/2010/main" val="2919153413"/>
+      </p:ext>
+    </p:extLst>
+  </p:cSld>
+  <p:clrMapOvr>
+    <a:masterClrMapping/>
+  </p:clrMapOvr>
+</p:sld>
+</file>
+
 <file path=ppt/theme/theme1.xml><?xml version="1.0" encoding="utf-8"?>
 <a:theme xmlns:a="http://schemas.openxmlformats.org/drawingml/2006/main" name="Office Theme">
   <a:themeElements>

--- a/docs/Images/Images.pptx
+++ b/docs/Images/Images.pptx
@@ -926,7 +926,14 @@
   <dgm:ptLst>
     <dgm:pt modelId="{399133A3-DAB0-4030-8DCF-4556DE1C9616}" type="doc">
       <dgm:prSet loTypeId="urn:microsoft.com/office/officeart/2005/8/layout/hProcess9" loCatId="process" qsTypeId="urn:microsoft.com/office/officeart/2005/8/quickstyle/3d7" qsCatId="3D" csTypeId="urn:microsoft.com/office/officeart/2005/8/colors/accent0_1" csCatId="mainScheme" phldr="1"/>
-      <dgm:spPr/>
+      <dgm:spPr>
+        <a:scene3d>
+          <a:camera prst="perspectiveLeft" fov="2700000" zoom="91000"/>
+          <a:lightRig rig="threePt" dir="t">
+            <a:rot lat="0" lon="0" rev="20640000"/>
+          </a:lightRig>
+        </a:scene3d>
+      </dgm:spPr>
     </dgm:pt>
     <dgm:pt modelId="{3B5FBEAE-CBF2-4A76-8724-21DBFAB9DEE3}">
       <dgm:prSet phldrT="[Text]"/>
@@ -937,7 +944,7 @@
         <a:p>
           <a:r>
             <a:rPr lang="en-NZ" dirty="0"/>
-            <a:t>Take code from your own Codebase</a:t>
+            <a:t>Extract code from your own Codebase</a:t>
           </a:r>
         </a:p>
       </dgm:t>
@@ -973,7 +980,7 @@
         <a:p>
           <a:r>
             <a:rPr lang="en-NZ" dirty="0"/>
-            <a:t>Templatize It</a:t>
+            <a:t>Templatize it, and make it programmable</a:t>
           </a:r>
         </a:p>
       </dgm:t>
@@ -1009,7 +1016,7 @@
         <a:p>
           <a:r>
             <a:rPr lang="en-NZ" dirty="0"/>
-            <a:t>Build a Robot that Writes your code</a:t>
+            <a:t> We’ll build you the Robot that writes more of that code</a:t>
           </a:r>
         </a:p>
       </dgm:t>
@@ -1081,7 +1088,7 @@
         <a:p>
           <a:r>
             <a:rPr lang="en-NZ" dirty="0"/>
-            <a:t>Tell your Robot to do the Coding! </a:t>
+            <a:t>Tell your Robot to do the Coding for you! </a:t>
           </a:r>
         </a:p>
       </dgm:t>
@@ -1119,7 +1126,16 @@
     </dgm:pt>
     <dgm:pt modelId="{A6EDF51D-AF66-4DE7-954C-F2DAECA84D79}" type="pres">
       <dgm:prSet presAssocID="{399133A3-DAB0-4030-8DCF-4556DE1C9616}" presName="arrow" presStyleLbl="bgShp" presStyleIdx="0" presStyleCnt="1" custScaleX="117647" custLinFactNeighborX="676" custLinFactNeighborY="-15209"/>
-      <dgm:spPr/>
+      <dgm:spPr>
+        <a:solidFill>
+          <a:schemeClr val="tx1"/>
+        </a:solidFill>
+        <a:ln>
+          <a:solidFill>
+            <a:schemeClr val="bg1"/>
+          </a:solidFill>
+        </a:ln>
+      </dgm:spPr>
     </dgm:pt>
     <dgm:pt modelId="{444F5D18-B64B-4880-BAD1-101A53A0A7A8}" type="pres">
       <dgm:prSet presAssocID="{399133A3-DAB0-4030-8DCF-4556DE1C9616}" presName="linearProcess" presStyleCnt="0"/>
@@ -1238,18 +1254,20 @@
           <a:avLst/>
         </a:prstGeom>
         <a:solidFill>
-          <a:schemeClr val="dk1">
-            <a:tint val="40000"/>
-            <a:hueOff val="0"/>
-            <a:satOff val="0"/>
-            <a:lumOff val="0"/>
-            <a:alphaOff val="0"/>
-          </a:schemeClr>
+          <a:schemeClr val="tx1"/>
         </a:solidFill>
         <a:ln>
-          <a:noFill/>
+          <a:solidFill>
+            <a:schemeClr val="bg1"/>
+          </a:solidFill>
         </a:ln>
         <a:effectLst/>
+        <a:scene3d>
+          <a:camera prst="perspectiveLeft" fov="2700000" zoom="91000"/>
+          <a:lightRig rig="threePt" dir="t">
+            <a:rot lat="0" lon="0" rev="20640000"/>
+          </a:lightRig>
+        </a:scene3d>
         <a:sp3d z="-161800" extrusionH="600" contourW="3000">
           <a:bevelT w="48600" h="18600" prst="relaxedInset"/>
           <a:bevelB w="48600" h="8600" prst="relaxedInset"/>
@@ -1275,8 +1293,8 @@
       </dsp:nvSpPr>
       <dsp:spPr>
         <a:xfrm>
-          <a:off x="5990" y="1979762"/>
-          <a:ext cx="2147970" cy="2639683"/>
+          <a:off x="5050" y="1979762"/>
+          <a:ext cx="2186908" cy="2639683"/>
         </a:xfrm>
         <a:prstGeom prst="roundRect">
           <a:avLst/>
@@ -1293,6 +1311,12 @@
           <a:noFill/>
         </a:ln>
         <a:effectLst/>
+        <a:scene3d>
+          <a:camera prst="perspectiveLeft" fov="2700000" zoom="91000"/>
+          <a:lightRig rig="threePt" dir="t">
+            <a:rot lat="0" lon="0" rev="20640000"/>
+          </a:lightRig>
+        </a:scene3d>
         <a:sp3d extrusionH="50600" prstMaterial="metal">
           <a:bevelT w="101600" h="80600" prst="relaxedInset"/>
           <a:bevelB w="80600" h="80600" prst="relaxedInset"/>
@@ -1313,12 +1337,12 @@
         </a:fontRef>
       </dsp:style>
       <dsp:txBody>
-        <a:bodyPr spcFirstLastPara="0" vert="horz" wrap="square" lIns="114300" tIns="114300" rIns="114300" bIns="114300" numCol="1" spcCol="1270" anchor="ctr" anchorCtr="0">
+        <a:bodyPr spcFirstLastPara="0" vert="horz" wrap="square" lIns="87630" tIns="87630" rIns="87630" bIns="87630" numCol="1" spcCol="1270" anchor="ctr" anchorCtr="0">
           <a:noAutofit/>
         </a:bodyPr>
         <a:lstStyle/>
         <a:p>
-          <a:pPr marL="0" lvl="0" indent="0" algn="ctr" defTabSz="1333500">
+          <a:pPr marL="0" lvl="0" indent="0" algn="ctr" defTabSz="1022350">
             <a:lnSpc>
               <a:spcPct val="90000"/>
             </a:lnSpc>
@@ -1331,14 +1355,14 @@
             <a:buNone/>
           </a:pPr>
           <a:r>
-            <a:rPr lang="en-NZ" sz="3000" kern="1200" dirty="0"/>
-            <a:t>Take code from your own Codebase</a:t>
+            <a:rPr lang="en-NZ" sz="2300" kern="1200" dirty="0"/>
+            <a:t>Extract code from your own Codebase</a:t>
           </a:r>
         </a:p>
       </dsp:txBody>
       <dsp:txXfrm>
-        <a:off x="110845" y="2084617"/>
-        <a:ext cx="1938260" cy="2429973"/>
+        <a:off x="111806" y="2086518"/>
+        <a:ext cx="1973396" cy="2426171"/>
       </dsp:txXfrm>
     </dsp:sp>
     <dsp:sp modelId="{B58E5A79-3F1D-45CE-BEAD-3461BB8A8039}">
@@ -1348,8 +1372,8 @@
       </dsp:nvSpPr>
       <dsp:spPr>
         <a:xfrm>
-          <a:off x="2319189" y="1979762"/>
-          <a:ext cx="2147970" cy="2639683"/>
+          <a:off x="2308984" y="1979762"/>
+          <a:ext cx="2186908" cy="2639683"/>
         </a:xfrm>
         <a:prstGeom prst="roundRect">
           <a:avLst/>
@@ -1366,6 +1390,12 @@
           <a:noFill/>
         </a:ln>
         <a:effectLst/>
+        <a:scene3d>
+          <a:camera prst="perspectiveLeft" fov="2700000" zoom="91000"/>
+          <a:lightRig rig="threePt" dir="t">
+            <a:rot lat="0" lon="0" rev="20640000"/>
+          </a:lightRig>
+        </a:scene3d>
         <a:sp3d extrusionH="50600" prstMaterial="metal">
           <a:bevelT w="101600" h="80600" prst="relaxedInset"/>
           <a:bevelB w="80600" h="80600" prst="relaxedInset"/>
@@ -1386,12 +1416,12 @@
         </a:fontRef>
       </dsp:style>
       <dsp:txBody>
-        <a:bodyPr spcFirstLastPara="0" vert="horz" wrap="square" lIns="114300" tIns="114300" rIns="114300" bIns="114300" numCol="1" spcCol="1270" anchor="ctr" anchorCtr="0">
+        <a:bodyPr spcFirstLastPara="0" vert="horz" wrap="square" lIns="87630" tIns="87630" rIns="87630" bIns="87630" numCol="1" spcCol="1270" anchor="ctr" anchorCtr="0">
           <a:noAutofit/>
         </a:bodyPr>
         <a:lstStyle/>
         <a:p>
-          <a:pPr marL="0" lvl="0" indent="0" algn="ctr" defTabSz="1333500">
+          <a:pPr marL="0" lvl="0" indent="0" algn="ctr" defTabSz="1022350">
             <a:lnSpc>
               <a:spcPct val="90000"/>
             </a:lnSpc>
@@ -1404,14 +1434,14 @@
             <a:buNone/>
           </a:pPr>
           <a:r>
-            <a:rPr lang="en-NZ" sz="3000" kern="1200" dirty="0"/>
-            <a:t>Templatize It</a:t>
+            <a:rPr lang="en-NZ" sz="2300" kern="1200" dirty="0"/>
+            <a:t>Templatize it, and make it programmable</a:t>
           </a:r>
         </a:p>
       </dsp:txBody>
       <dsp:txXfrm>
-        <a:off x="2424044" y="2084617"/>
-        <a:ext cx="1938260" cy="2429973"/>
+        <a:off x="2415740" y="2086518"/>
+        <a:ext cx="1973396" cy="2426171"/>
       </dsp:txXfrm>
     </dsp:sp>
     <dsp:sp modelId="{8C7EEF58-7B0F-4218-8C6D-6D8D2AA8B824}">
@@ -1421,8 +1451,8 @@
       </dsp:nvSpPr>
       <dsp:spPr>
         <a:xfrm>
-          <a:off x="4632387" y="1979762"/>
-          <a:ext cx="2147970" cy="2639683"/>
+          <a:off x="4612918" y="1979762"/>
+          <a:ext cx="2186908" cy="2639683"/>
         </a:xfrm>
         <a:prstGeom prst="roundRect">
           <a:avLst/>
@@ -1439,6 +1469,12 @@
           <a:noFill/>
         </a:ln>
         <a:effectLst/>
+        <a:scene3d>
+          <a:camera prst="perspectiveLeft" fov="2700000" zoom="91000"/>
+          <a:lightRig rig="threePt" dir="t">
+            <a:rot lat="0" lon="0" rev="20640000"/>
+          </a:lightRig>
+        </a:scene3d>
         <a:sp3d extrusionH="50600" prstMaterial="metal">
           <a:bevelT w="101600" h="80600" prst="relaxedInset"/>
           <a:bevelB w="80600" h="80600" prst="relaxedInset"/>
@@ -1459,12 +1495,12 @@
         </a:fontRef>
       </dsp:style>
       <dsp:txBody>
-        <a:bodyPr spcFirstLastPara="0" vert="horz" wrap="square" lIns="114300" tIns="114300" rIns="114300" bIns="114300" numCol="1" spcCol="1270" anchor="ctr" anchorCtr="0">
+        <a:bodyPr spcFirstLastPara="0" vert="horz" wrap="square" lIns="87630" tIns="87630" rIns="87630" bIns="87630" numCol="1" spcCol="1270" anchor="ctr" anchorCtr="0">
           <a:noAutofit/>
         </a:bodyPr>
         <a:lstStyle/>
         <a:p>
-          <a:pPr marL="0" lvl="0" indent="0" algn="ctr" defTabSz="1333500">
+          <a:pPr marL="0" lvl="0" indent="0" algn="ctr" defTabSz="1022350">
             <a:lnSpc>
               <a:spcPct val="90000"/>
             </a:lnSpc>
@@ -1477,14 +1513,14 @@
             <a:buNone/>
           </a:pPr>
           <a:r>
-            <a:rPr lang="en-NZ" sz="3000" kern="1200" dirty="0"/>
-            <a:t>Build a Robot that Writes your code</a:t>
+            <a:rPr lang="en-NZ" sz="2300" kern="1200" dirty="0"/>
+            <a:t> We’ll build you the Robot that writes more of that code</a:t>
           </a:r>
         </a:p>
       </dsp:txBody>
       <dsp:txXfrm>
-        <a:off x="4737242" y="2084617"/>
-        <a:ext cx="1938260" cy="2429973"/>
+        <a:off x="4719674" y="2086518"/>
+        <a:ext cx="1973396" cy="2426171"/>
       </dsp:txXfrm>
     </dsp:sp>
     <dsp:sp modelId="{36C50AC2-9B01-4A20-A286-E405733D3B3D}">
@@ -1494,8 +1530,8 @@
       </dsp:nvSpPr>
       <dsp:spPr>
         <a:xfrm>
-          <a:off x="6945586" y="1979762"/>
-          <a:ext cx="2147970" cy="2639683"/>
+          <a:off x="6916852" y="1979762"/>
+          <a:ext cx="2186908" cy="2639683"/>
         </a:xfrm>
         <a:prstGeom prst="roundRect">
           <a:avLst/>
@@ -1512,6 +1548,12 @@
           <a:noFill/>
         </a:ln>
         <a:effectLst/>
+        <a:scene3d>
+          <a:camera prst="perspectiveLeft" fov="2700000" zoom="91000"/>
+          <a:lightRig rig="threePt" dir="t">
+            <a:rot lat="0" lon="0" rev="20640000"/>
+          </a:lightRig>
+        </a:scene3d>
         <a:sp3d extrusionH="50600" prstMaterial="metal">
           <a:bevelT w="101600" h="80600" prst="relaxedInset"/>
           <a:bevelB w="80600" h="80600" prst="relaxedInset"/>
@@ -1532,12 +1574,12 @@
         </a:fontRef>
       </dsp:style>
       <dsp:txBody>
-        <a:bodyPr spcFirstLastPara="0" vert="horz" wrap="square" lIns="114300" tIns="114300" rIns="114300" bIns="114300" numCol="1" spcCol="1270" anchor="ctr" anchorCtr="0">
+        <a:bodyPr spcFirstLastPara="0" vert="horz" wrap="square" lIns="87630" tIns="87630" rIns="87630" bIns="87630" numCol="1" spcCol="1270" anchor="ctr" anchorCtr="0">
           <a:noAutofit/>
         </a:bodyPr>
         <a:lstStyle/>
         <a:p>
-          <a:pPr marL="0" lvl="0" indent="0" algn="ctr" defTabSz="1333500">
+          <a:pPr marL="0" lvl="0" indent="0" algn="ctr" defTabSz="1022350">
             <a:lnSpc>
               <a:spcPct val="90000"/>
             </a:lnSpc>
@@ -1550,14 +1592,14 @@
             <a:buNone/>
           </a:pPr>
           <a:r>
-            <a:rPr lang="en-NZ" sz="3000" kern="1200" dirty="0"/>
+            <a:rPr lang="en-NZ" sz="2300" kern="1200" dirty="0"/>
             <a:t>Install the Robot into your Codebase</a:t>
           </a:r>
         </a:p>
       </dsp:txBody>
       <dsp:txXfrm>
-        <a:off x="7050441" y="2084617"/>
-        <a:ext cx="1938260" cy="2429973"/>
+        <a:off x="7023608" y="2086518"/>
+        <a:ext cx="1973396" cy="2426171"/>
       </dsp:txXfrm>
     </dsp:sp>
     <dsp:sp modelId="{8E8A3AAA-4BA1-43BA-8997-896F6F7BC1E5}">
@@ -1567,8 +1609,8 @@
       </dsp:nvSpPr>
       <dsp:spPr>
         <a:xfrm>
-          <a:off x="9258785" y="1979762"/>
-          <a:ext cx="2147970" cy="2639683"/>
+          <a:off x="9220786" y="1979762"/>
+          <a:ext cx="2186908" cy="2639683"/>
         </a:xfrm>
         <a:prstGeom prst="roundRect">
           <a:avLst/>
@@ -1585,6 +1627,12 @@
           <a:noFill/>
         </a:ln>
         <a:effectLst/>
+        <a:scene3d>
+          <a:camera prst="perspectiveLeft" fov="2700000" zoom="91000"/>
+          <a:lightRig rig="threePt" dir="t">
+            <a:rot lat="0" lon="0" rev="20640000"/>
+          </a:lightRig>
+        </a:scene3d>
         <a:sp3d extrusionH="50600" prstMaterial="metal">
           <a:bevelT w="101600" h="80600" prst="relaxedInset"/>
           <a:bevelB w="80600" h="80600" prst="relaxedInset"/>
@@ -1605,12 +1653,12 @@
         </a:fontRef>
       </dsp:style>
       <dsp:txBody>
-        <a:bodyPr spcFirstLastPara="0" vert="horz" wrap="square" lIns="114300" tIns="114300" rIns="114300" bIns="114300" numCol="1" spcCol="1270" anchor="ctr" anchorCtr="0">
+        <a:bodyPr spcFirstLastPara="0" vert="horz" wrap="square" lIns="87630" tIns="87630" rIns="87630" bIns="87630" numCol="1" spcCol="1270" anchor="ctr" anchorCtr="0">
           <a:noAutofit/>
         </a:bodyPr>
         <a:lstStyle/>
         <a:p>
-          <a:pPr marL="0" lvl="0" indent="0" algn="ctr" defTabSz="1333500">
+          <a:pPr marL="0" lvl="0" indent="0" algn="ctr" defTabSz="1022350">
             <a:lnSpc>
               <a:spcPct val="90000"/>
             </a:lnSpc>
@@ -1623,14 +1671,14 @@
             <a:buNone/>
           </a:pPr>
           <a:r>
-            <a:rPr lang="en-NZ" sz="3000" kern="1200" dirty="0"/>
-            <a:t>Tell your Robot to do the Coding! </a:t>
+            <a:rPr lang="en-NZ" sz="2300" kern="1200" dirty="0"/>
+            <a:t>Tell your Robot to do the Coding for you! </a:t>
           </a:r>
         </a:p>
       </dsp:txBody>
       <dsp:txXfrm>
-        <a:off x="9363640" y="2084617"/>
-        <a:ext cx="1938260" cy="2429973"/>
+        <a:off x="9327542" y="2086518"/>
+        <a:ext cx="1973396" cy="2426171"/>
       </dsp:txXfrm>
     </dsp:sp>
   </dsp:spTree>
@@ -3073,7 +3121,7 @@
           <a:p>
             <a:fld id="{2C20F5EC-8EF0-417F-9F3F-A436A2C12366}" type="datetimeFigureOut">
               <a:rPr lang="en-NZ" smtClean="0"/>
-              <a:t>11/08/2022</a:t>
+              <a:t>5/11/2022</a:t>
             </a:fld>
             <a:endParaRPr lang="en-NZ"/>
           </a:p>
@@ -3273,7 +3321,7 @@
           <a:p>
             <a:fld id="{2C20F5EC-8EF0-417F-9F3F-A436A2C12366}" type="datetimeFigureOut">
               <a:rPr lang="en-NZ" smtClean="0"/>
-              <a:t>11/08/2022</a:t>
+              <a:t>5/11/2022</a:t>
             </a:fld>
             <a:endParaRPr lang="en-NZ"/>
           </a:p>
@@ -3483,7 +3531,7 @@
           <a:p>
             <a:fld id="{2C20F5EC-8EF0-417F-9F3F-A436A2C12366}" type="datetimeFigureOut">
               <a:rPr lang="en-NZ" smtClean="0"/>
-              <a:t>11/08/2022</a:t>
+              <a:t>5/11/2022</a:t>
             </a:fld>
             <a:endParaRPr lang="en-NZ"/>
           </a:p>
@@ -3683,7 +3731,7 @@
           <a:p>
             <a:fld id="{2C20F5EC-8EF0-417F-9F3F-A436A2C12366}" type="datetimeFigureOut">
               <a:rPr lang="en-NZ" smtClean="0"/>
-              <a:t>11/08/2022</a:t>
+              <a:t>5/11/2022</a:t>
             </a:fld>
             <a:endParaRPr lang="en-NZ"/>
           </a:p>
@@ -3959,7 +4007,7 @@
           <a:p>
             <a:fld id="{2C20F5EC-8EF0-417F-9F3F-A436A2C12366}" type="datetimeFigureOut">
               <a:rPr lang="en-NZ" smtClean="0"/>
-              <a:t>11/08/2022</a:t>
+              <a:t>5/11/2022</a:t>
             </a:fld>
             <a:endParaRPr lang="en-NZ"/>
           </a:p>
@@ -4227,7 +4275,7 @@
           <a:p>
             <a:fld id="{2C20F5EC-8EF0-417F-9F3F-A436A2C12366}" type="datetimeFigureOut">
               <a:rPr lang="en-NZ" smtClean="0"/>
-              <a:t>11/08/2022</a:t>
+              <a:t>5/11/2022</a:t>
             </a:fld>
             <a:endParaRPr lang="en-NZ"/>
           </a:p>
@@ -4642,7 +4690,7 @@
           <a:p>
             <a:fld id="{2C20F5EC-8EF0-417F-9F3F-A436A2C12366}" type="datetimeFigureOut">
               <a:rPr lang="en-NZ" smtClean="0"/>
-              <a:t>11/08/2022</a:t>
+              <a:t>5/11/2022</a:t>
             </a:fld>
             <a:endParaRPr lang="en-NZ"/>
           </a:p>
@@ -4784,7 +4832,7 @@
           <a:p>
             <a:fld id="{2C20F5EC-8EF0-417F-9F3F-A436A2C12366}" type="datetimeFigureOut">
               <a:rPr lang="en-NZ" smtClean="0"/>
-              <a:t>11/08/2022</a:t>
+              <a:t>5/11/2022</a:t>
             </a:fld>
             <a:endParaRPr lang="en-NZ"/>
           </a:p>
@@ -4897,7 +4945,7 @@
           <a:p>
             <a:fld id="{2C20F5EC-8EF0-417F-9F3F-A436A2C12366}" type="datetimeFigureOut">
               <a:rPr lang="en-NZ" smtClean="0"/>
-              <a:t>11/08/2022</a:t>
+              <a:t>5/11/2022</a:t>
             </a:fld>
             <a:endParaRPr lang="en-NZ"/>
           </a:p>
@@ -5210,7 +5258,7 @@
           <a:p>
             <a:fld id="{2C20F5EC-8EF0-417F-9F3F-A436A2C12366}" type="datetimeFigureOut">
               <a:rPr lang="en-NZ" smtClean="0"/>
-              <a:t>11/08/2022</a:t>
+              <a:t>5/11/2022</a:t>
             </a:fld>
             <a:endParaRPr lang="en-NZ"/>
           </a:p>
@@ -5499,7 +5547,7 @@
           <a:p>
             <a:fld id="{2C20F5EC-8EF0-417F-9F3F-A436A2C12366}" type="datetimeFigureOut">
               <a:rPr lang="en-NZ" smtClean="0"/>
-              <a:t>11/08/2022</a:t>
+              <a:t>5/11/2022</a:t>
             </a:fld>
             <a:endParaRPr lang="en-NZ"/>
           </a:p>
@@ -5742,7 +5790,7 @@
           <a:p>
             <a:fld id="{2C20F5EC-8EF0-417F-9F3F-A436A2C12366}" type="datetimeFigureOut">
               <a:rPr lang="en-NZ" smtClean="0"/>
-              <a:t>11/08/2022</a:t>
+              <a:t>5/11/2022</a:t>
             </a:fld>
             <a:endParaRPr lang="en-NZ"/>
           </a:p>
@@ -6225,7 +6273,7 @@
                   </a:solidFill>
                 </a:ln>
               </a:rPr>
-              <a:t>Authoring</a:t>
+              <a:t>Making</a:t>
             </a:r>
           </a:p>
           <a:p>
@@ -7548,7 +7596,7 @@
           <p:nvPr>
             <p:extLst>
               <p:ext uri="{D42A27DB-BD31-4B8C-83A1-F6EECF244321}">
-                <p14:modId xmlns:p14="http://schemas.microsoft.com/office/powerpoint/2010/main" val="453088915"/>
+                <p14:modId xmlns:p14="http://schemas.microsoft.com/office/powerpoint/2010/main" val="4050477552"/>
               </p:ext>
             </p:extLst>
           </p:nvPr>
@@ -7563,6 +7611,51 @@
           </a:graphicData>
         </a:graphic>
       </p:graphicFrame>
+      <p:pic>
+        <p:nvPicPr>
+          <p:cNvPr id="3" name="Graphic 2" descr="Robot with solid fill">
+            <a:extLst>
+              <a:ext uri="{FF2B5EF4-FFF2-40B4-BE49-F238E27FC236}">
+                <a16:creationId xmlns:a16="http://schemas.microsoft.com/office/drawing/2014/main" id="{22973FE5-C70B-E214-9F5C-6BAF2C3B88A8}"/>
+              </a:ext>
+            </a:extLst>
+          </p:cNvPr>
+          <p:cNvPicPr>
+            <a:picLocks noChangeAspect="1"/>
+          </p:cNvPicPr>
+          <p:nvPr/>
+        </p:nvPicPr>
+        <p:blipFill>
+          <a:blip r:embed="rId7">
+            <a:extLst>
+              <a:ext uri="{28A0092B-C50C-407E-A947-70E740481C1C}">
+                <a14:useLocalDpi xmlns:a14="http://schemas.microsoft.com/office/drawing/2010/main" val="0"/>
+              </a:ext>
+              <a:ext uri="{96DAC541-7B7A-43D3-8B79-37D633B846F1}">
+                <asvg:svgBlip xmlns:asvg="http://schemas.microsoft.com/office/drawing/2016/SVG/main" r:embed="rId8"/>
+              </a:ext>
+            </a:extLst>
+          </a:blip>
+          <a:stretch>
+            <a:fillRect/>
+          </a:stretch>
+        </p:blipFill>
+        <p:spPr>
+          <a:xfrm>
+            <a:off x="98303" y="2336800"/>
+            <a:ext cx="2278332" cy="2278332"/>
+          </a:xfrm>
+          <a:prstGeom prst="rect">
+            <a:avLst/>
+          </a:prstGeom>
+          <a:scene3d>
+            <a:camera prst="perspectiveHeroicExtremeLeftFacing" fov="2700000">
+              <a:rot lat="0" lon="1200000" rev="21540000"/>
+            </a:camera>
+            <a:lightRig rig="threePt" dir="t"/>
+          </a:scene3d>
+        </p:spPr>
+      </p:pic>
     </p:spTree>
     <p:extLst>
       <p:ext uri="{BB962C8B-B14F-4D97-AF65-F5344CB8AC3E}">
